--- a/arduino/SerialCommunication.pptx
+++ b/arduino/SerialCommunication.pptx
@@ -4,8 +4,16 @@
   <p:sldMasterIdLst>
     <p:sldMasterId id="2147483648" r:id="rId1"/>
   </p:sldMasterIdLst>
+  <p:notesMasterIdLst>
+    <p:notesMasterId r:id="rId8"/>
+  </p:notesMasterIdLst>
   <p:sldIdLst>
     <p:sldId id="256" r:id="rId2"/>
+    <p:sldId id="257" r:id="rId3"/>
+    <p:sldId id="258" r:id="rId4"/>
+    <p:sldId id="259" r:id="rId5"/>
+    <p:sldId id="260" r:id="rId6"/>
+    <p:sldId id="261" r:id="rId7"/>
   </p:sldIdLst>
   <p:sldSz cx="12192000" cy="6858000"/>
   <p:notesSz cx="6858000" cy="9144000"/>
@@ -104,7 +112,448 @@
       </a:defRPr>
     </a:lvl9pPr>
   </p:defaultTextStyle>
+  <p:extLst>
+    <p:ext uri="{EFAFB233-063F-42B5-8137-9DF3F51BA10A}">
+      <p15:sldGuideLst xmlns:p15="http://schemas.microsoft.com/office/powerpoint/2012/main"/>
+    </p:ext>
+  </p:extLst>
 </p:presentation>
+</file>
+
+<file path=ppt/notesMasters/notesMaster1.xml><?xml version="1.0" encoding="utf-8"?>
+<p:notesMaster xmlns:a="http://schemas.openxmlformats.org/drawingml/2006/main" xmlns:r="http://schemas.openxmlformats.org/officeDocument/2006/relationships" xmlns:p="http://schemas.openxmlformats.org/presentationml/2006/main">
+  <p:cSld>
+    <p:bg>
+      <p:bgRef idx="1001">
+        <a:schemeClr val="bg1"/>
+      </p:bgRef>
+    </p:bg>
+    <p:spTree>
+      <p:nvGrpSpPr>
+        <p:cNvPr id="1" name=""/>
+        <p:cNvGrpSpPr/>
+        <p:nvPr/>
+      </p:nvGrpSpPr>
+      <p:grpSpPr>
+        <a:xfrm>
+          <a:off x="0" y="0"/>
+          <a:ext cx="0" cy="0"/>
+          <a:chOff x="0" y="0"/>
+          <a:chExt cx="0" cy="0"/>
+        </a:xfrm>
+      </p:grpSpPr>
+      <p:sp>
+        <p:nvSpPr>
+          <p:cNvPr id="2" name="Header Placeholder 1"/>
+          <p:cNvSpPr>
+            <a:spLocks noGrp="1"/>
+          </p:cNvSpPr>
+          <p:nvPr>
+            <p:ph type="hdr" sz="quarter"/>
+          </p:nvPr>
+        </p:nvSpPr>
+        <p:spPr>
+          <a:xfrm>
+            <a:off x="0" y="0"/>
+            <a:ext cx="2971800" cy="458788"/>
+          </a:xfrm>
+          <a:prstGeom prst="rect">
+            <a:avLst/>
+          </a:prstGeom>
+        </p:spPr>
+        <p:txBody>
+          <a:bodyPr vert="horz" lIns="91440" tIns="45720" rIns="91440" bIns="45720" rtlCol="0"/>
+          <a:lstStyle>
+            <a:lvl1pPr algn="l">
+              <a:defRPr sz="1200"/>
+            </a:lvl1pPr>
+          </a:lstStyle>
+          <a:p>
+            <a:endParaRPr lang="en-US"/>
+          </a:p>
+        </p:txBody>
+      </p:sp>
+      <p:sp>
+        <p:nvSpPr>
+          <p:cNvPr id="3" name="Date Placeholder 2"/>
+          <p:cNvSpPr>
+            <a:spLocks noGrp="1"/>
+          </p:cNvSpPr>
+          <p:nvPr>
+            <p:ph type="dt" idx="1"/>
+          </p:nvPr>
+        </p:nvSpPr>
+        <p:spPr>
+          <a:xfrm>
+            <a:off x="3884613" y="0"/>
+            <a:ext cx="2971800" cy="458788"/>
+          </a:xfrm>
+          <a:prstGeom prst="rect">
+            <a:avLst/>
+          </a:prstGeom>
+        </p:spPr>
+        <p:txBody>
+          <a:bodyPr vert="horz" lIns="91440" tIns="45720" rIns="91440" bIns="45720" rtlCol="0"/>
+          <a:lstStyle>
+            <a:lvl1pPr algn="r">
+              <a:defRPr sz="1200"/>
+            </a:lvl1pPr>
+          </a:lstStyle>
+          <a:p>
+            <a:fld id="{05F26310-80CD-4187-BB58-E963BDB905D0}" type="datetimeFigureOut">
+              <a:rPr lang="en-US" smtClean="0"/>
+              <a:t>4/8/2024</a:t>
+            </a:fld>
+            <a:endParaRPr lang="en-US"/>
+          </a:p>
+        </p:txBody>
+      </p:sp>
+      <p:sp>
+        <p:nvSpPr>
+          <p:cNvPr id="4" name="Slide Image Placeholder 3"/>
+          <p:cNvSpPr>
+            <a:spLocks noGrp="1" noRot="1" noChangeAspect="1"/>
+          </p:cNvSpPr>
+          <p:nvPr>
+            <p:ph type="sldImg" idx="2"/>
+          </p:nvPr>
+        </p:nvSpPr>
+        <p:spPr>
+          <a:xfrm>
+            <a:off x="685800" y="1143000"/>
+            <a:ext cx="5486400" cy="3086100"/>
+          </a:xfrm>
+          <a:prstGeom prst="rect">
+            <a:avLst/>
+          </a:prstGeom>
+          <a:noFill/>
+          <a:ln w="12700">
+            <a:solidFill>
+              <a:prstClr val="black"/>
+            </a:solidFill>
+          </a:ln>
+        </p:spPr>
+        <p:txBody>
+          <a:bodyPr vert="horz" lIns="91440" tIns="45720" rIns="91440" bIns="45720" rtlCol="0" anchor="ctr"/>
+          <a:lstStyle/>
+          <a:p>
+            <a:endParaRPr lang="en-US"/>
+          </a:p>
+        </p:txBody>
+      </p:sp>
+      <p:sp>
+        <p:nvSpPr>
+          <p:cNvPr id="5" name="Notes Placeholder 4"/>
+          <p:cNvSpPr>
+            <a:spLocks noGrp="1"/>
+          </p:cNvSpPr>
+          <p:nvPr>
+            <p:ph type="body" sz="quarter" idx="3"/>
+          </p:nvPr>
+        </p:nvSpPr>
+        <p:spPr>
+          <a:xfrm>
+            <a:off x="685800" y="4400550"/>
+            <a:ext cx="5486400" cy="3600450"/>
+          </a:xfrm>
+          <a:prstGeom prst="rect">
+            <a:avLst/>
+          </a:prstGeom>
+        </p:spPr>
+        <p:txBody>
+          <a:bodyPr vert="horz" lIns="91440" tIns="45720" rIns="91440" bIns="45720" rtlCol="0"/>
+          <a:lstStyle/>
+          <a:p>
+            <a:pPr lvl="0"/>
+            <a:r>
+              <a:rPr lang="en-US"/>
+              <a:t>Click to edit Master text styles</a:t>
+            </a:r>
+          </a:p>
+          <a:p>
+            <a:pPr lvl="1"/>
+            <a:r>
+              <a:rPr lang="en-US"/>
+              <a:t>Second level</a:t>
+            </a:r>
+          </a:p>
+          <a:p>
+            <a:pPr lvl="2"/>
+            <a:r>
+              <a:rPr lang="en-US"/>
+              <a:t>Third level</a:t>
+            </a:r>
+          </a:p>
+          <a:p>
+            <a:pPr lvl="3"/>
+            <a:r>
+              <a:rPr lang="en-US"/>
+              <a:t>Fourth level</a:t>
+            </a:r>
+          </a:p>
+          <a:p>
+            <a:pPr lvl="4"/>
+            <a:r>
+              <a:rPr lang="en-US"/>
+              <a:t>Fifth level</a:t>
+            </a:r>
+          </a:p>
+        </p:txBody>
+      </p:sp>
+      <p:sp>
+        <p:nvSpPr>
+          <p:cNvPr id="6" name="Footer Placeholder 5"/>
+          <p:cNvSpPr>
+            <a:spLocks noGrp="1"/>
+          </p:cNvSpPr>
+          <p:nvPr>
+            <p:ph type="ftr" sz="quarter" idx="4"/>
+          </p:nvPr>
+        </p:nvSpPr>
+        <p:spPr>
+          <a:xfrm>
+            <a:off x="0" y="8685213"/>
+            <a:ext cx="2971800" cy="458787"/>
+          </a:xfrm>
+          <a:prstGeom prst="rect">
+            <a:avLst/>
+          </a:prstGeom>
+        </p:spPr>
+        <p:txBody>
+          <a:bodyPr vert="horz" lIns="91440" tIns="45720" rIns="91440" bIns="45720" rtlCol="0" anchor="b"/>
+          <a:lstStyle>
+            <a:lvl1pPr algn="l">
+              <a:defRPr sz="1200"/>
+            </a:lvl1pPr>
+          </a:lstStyle>
+          <a:p>
+            <a:endParaRPr lang="en-US"/>
+          </a:p>
+        </p:txBody>
+      </p:sp>
+      <p:sp>
+        <p:nvSpPr>
+          <p:cNvPr id="7" name="Slide Number Placeholder 6"/>
+          <p:cNvSpPr>
+            <a:spLocks noGrp="1"/>
+          </p:cNvSpPr>
+          <p:nvPr>
+            <p:ph type="sldNum" sz="quarter" idx="5"/>
+          </p:nvPr>
+        </p:nvSpPr>
+        <p:spPr>
+          <a:xfrm>
+            <a:off x="3884613" y="8685213"/>
+            <a:ext cx="2971800" cy="458787"/>
+          </a:xfrm>
+          <a:prstGeom prst="rect">
+            <a:avLst/>
+          </a:prstGeom>
+        </p:spPr>
+        <p:txBody>
+          <a:bodyPr vert="horz" lIns="91440" tIns="45720" rIns="91440" bIns="45720" rtlCol="0" anchor="b"/>
+          <a:lstStyle>
+            <a:lvl1pPr algn="r">
+              <a:defRPr sz="1200"/>
+            </a:lvl1pPr>
+          </a:lstStyle>
+          <a:p>
+            <a:fld id="{8D8CC587-221B-4A0C-B148-C90A478311F6}" type="slidenum">
+              <a:rPr lang="en-US" smtClean="0"/>
+              <a:t>‹#›</a:t>
+            </a:fld>
+            <a:endParaRPr lang="en-US"/>
+          </a:p>
+        </p:txBody>
+      </p:sp>
+    </p:spTree>
+    <p:extLst>
+      <p:ext uri="{BB962C8B-B14F-4D97-AF65-F5344CB8AC3E}">
+        <p14:creationId xmlns:p14="http://schemas.microsoft.com/office/powerpoint/2010/main" val="266316960"/>
+      </p:ext>
+    </p:extLst>
+  </p:cSld>
+  <p:clrMap bg1="lt1" tx1="dk1" bg2="lt2" tx2="dk2" accent1="accent1" accent2="accent2" accent3="accent3" accent4="accent4" accent5="accent5" accent6="accent6" hlink="hlink" folHlink="folHlink"/>
+  <p:notesStyle>
+    <a:lvl1pPr marL="0" algn="l" defTabSz="914400" rtl="0" eaLnBrk="1" latinLnBrk="0" hangingPunct="1">
+      <a:defRPr sz="1200" kern="1200">
+        <a:solidFill>
+          <a:schemeClr val="tx1"/>
+        </a:solidFill>
+        <a:latin typeface="+mn-lt"/>
+        <a:ea typeface="+mn-ea"/>
+        <a:cs typeface="+mn-cs"/>
+      </a:defRPr>
+    </a:lvl1pPr>
+    <a:lvl2pPr marL="457200" algn="l" defTabSz="914400" rtl="0" eaLnBrk="1" latinLnBrk="0" hangingPunct="1">
+      <a:defRPr sz="1200" kern="1200">
+        <a:solidFill>
+          <a:schemeClr val="tx1"/>
+        </a:solidFill>
+        <a:latin typeface="+mn-lt"/>
+        <a:ea typeface="+mn-ea"/>
+        <a:cs typeface="+mn-cs"/>
+      </a:defRPr>
+    </a:lvl2pPr>
+    <a:lvl3pPr marL="914400" algn="l" defTabSz="914400" rtl="0" eaLnBrk="1" latinLnBrk="0" hangingPunct="1">
+      <a:defRPr sz="1200" kern="1200">
+        <a:solidFill>
+          <a:schemeClr val="tx1"/>
+        </a:solidFill>
+        <a:latin typeface="+mn-lt"/>
+        <a:ea typeface="+mn-ea"/>
+        <a:cs typeface="+mn-cs"/>
+      </a:defRPr>
+    </a:lvl3pPr>
+    <a:lvl4pPr marL="1371600" algn="l" defTabSz="914400" rtl="0" eaLnBrk="1" latinLnBrk="0" hangingPunct="1">
+      <a:defRPr sz="1200" kern="1200">
+        <a:solidFill>
+          <a:schemeClr val="tx1"/>
+        </a:solidFill>
+        <a:latin typeface="+mn-lt"/>
+        <a:ea typeface="+mn-ea"/>
+        <a:cs typeface="+mn-cs"/>
+      </a:defRPr>
+    </a:lvl4pPr>
+    <a:lvl5pPr marL="1828800" algn="l" defTabSz="914400" rtl="0" eaLnBrk="1" latinLnBrk="0" hangingPunct="1">
+      <a:defRPr sz="1200" kern="1200">
+        <a:solidFill>
+          <a:schemeClr val="tx1"/>
+        </a:solidFill>
+        <a:latin typeface="+mn-lt"/>
+        <a:ea typeface="+mn-ea"/>
+        <a:cs typeface="+mn-cs"/>
+      </a:defRPr>
+    </a:lvl5pPr>
+    <a:lvl6pPr marL="2286000" algn="l" defTabSz="914400" rtl="0" eaLnBrk="1" latinLnBrk="0" hangingPunct="1">
+      <a:defRPr sz="1200" kern="1200">
+        <a:solidFill>
+          <a:schemeClr val="tx1"/>
+        </a:solidFill>
+        <a:latin typeface="+mn-lt"/>
+        <a:ea typeface="+mn-ea"/>
+        <a:cs typeface="+mn-cs"/>
+      </a:defRPr>
+    </a:lvl6pPr>
+    <a:lvl7pPr marL="2743200" algn="l" defTabSz="914400" rtl="0" eaLnBrk="1" latinLnBrk="0" hangingPunct="1">
+      <a:defRPr sz="1200" kern="1200">
+        <a:solidFill>
+          <a:schemeClr val="tx1"/>
+        </a:solidFill>
+        <a:latin typeface="+mn-lt"/>
+        <a:ea typeface="+mn-ea"/>
+        <a:cs typeface="+mn-cs"/>
+      </a:defRPr>
+    </a:lvl7pPr>
+    <a:lvl8pPr marL="3200400" algn="l" defTabSz="914400" rtl="0" eaLnBrk="1" latinLnBrk="0" hangingPunct="1">
+      <a:defRPr sz="1200" kern="1200">
+        <a:solidFill>
+          <a:schemeClr val="tx1"/>
+        </a:solidFill>
+        <a:latin typeface="+mn-lt"/>
+        <a:ea typeface="+mn-ea"/>
+        <a:cs typeface="+mn-cs"/>
+      </a:defRPr>
+    </a:lvl8pPr>
+    <a:lvl9pPr marL="3657600" algn="l" defTabSz="914400" rtl="0" eaLnBrk="1" latinLnBrk="0" hangingPunct="1">
+      <a:defRPr sz="1200" kern="1200">
+        <a:solidFill>
+          <a:schemeClr val="tx1"/>
+        </a:solidFill>
+        <a:latin typeface="+mn-lt"/>
+        <a:ea typeface="+mn-ea"/>
+        <a:cs typeface="+mn-cs"/>
+      </a:defRPr>
+    </a:lvl9pPr>
+  </p:notesStyle>
+</p:notesMaster>
+</file>
+
+<file path=ppt/notesSlides/notesSlide1.xml><?xml version="1.0" encoding="utf-8"?>
+<p:notes xmlns:a="http://schemas.openxmlformats.org/drawingml/2006/main" xmlns:r="http://schemas.openxmlformats.org/officeDocument/2006/relationships" xmlns:p="http://schemas.openxmlformats.org/presentationml/2006/main">
+  <p:cSld>
+    <p:spTree>
+      <p:nvGrpSpPr>
+        <p:cNvPr id="1" name=""/>
+        <p:cNvGrpSpPr/>
+        <p:nvPr/>
+      </p:nvGrpSpPr>
+      <p:grpSpPr>
+        <a:xfrm>
+          <a:off x="0" y="0"/>
+          <a:ext cx="0" cy="0"/>
+          <a:chOff x="0" y="0"/>
+          <a:chExt cx="0" cy="0"/>
+        </a:xfrm>
+      </p:grpSpPr>
+      <p:sp>
+        <p:nvSpPr>
+          <p:cNvPr id="2" name="Slide Image Placeholder 1"/>
+          <p:cNvSpPr>
+            <a:spLocks noGrp="1" noRot="1" noChangeAspect="1"/>
+          </p:cNvSpPr>
+          <p:nvPr>
+            <p:ph type="sldImg"/>
+          </p:nvPr>
+        </p:nvSpPr>
+        <p:spPr/>
+      </p:sp>
+      <p:sp>
+        <p:nvSpPr>
+          <p:cNvPr id="3" name="Notes Placeholder 2"/>
+          <p:cNvSpPr>
+            <a:spLocks noGrp="1"/>
+          </p:cNvSpPr>
+          <p:nvPr>
+            <p:ph type="body" idx="1"/>
+          </p:nvPr>
+        </p:nvSpPr>
+        <p:spPr/>
+        <p:txBody>
+          <a:bodyPr/>
+          <a:lstStyle/>
+          <a:p>
+            <a:r>
+              <a:rPr lang="en-US" dirty="0"/>
+              <a:t>https://playwithcircuit.com/interfacing-pc-with-arduino-uno-using-serial-communication-port/</a:t>
+            </a:r>
+          </a:p>
+        </p:txBody>
+      </p:sp>
+      <p:sp>
+        <p:nvSpPr>
+          <p:cNvPr id="4" name="Slide Number Placeholder 3"/>
+          <p:cNvSpPr>
+            <a:spLocks noGrp="1"/>
+          </p:cNvSpPr>
+          <p:nvPr>
+            <p:ph type="sldNum" sz="quarter" idx="5"/>
+          </p:nvPr>
+        </p:nvSpPr>
+        <p:spPr/>
+        <p:txBody>
+          <a:bodyPr/>
+          <a:lstStyle/>
+          <a:p>
+            <a:fld id="{8D8CC587-221B-4A0C-B148-C90A478311F6}" type="slidenum">
+              <a:rPr lang="en-US" smtClean="0"/>
+              <a:t>2</a:t>
+            </a:fld>
+            <a:endParaRPr lang="en-US"/>
+          </a:p>
+        </p:txBody>
+      </p:sp>
+    </p:spTree>
+    <p:extLst>
+      <p:ext uri="{BB962C8B-B14F-4D97-AF65-F5344CB8AC3E}">
+        <p14:creationId xmlns:p14="http://schemas.microsoft.com/office/powerpoint/2010/main" val="2564946564"/>
+      </p:ext>
+    </p:extLst>
+  </p:cSld>
+  <p:clrMapOvr>
+    <a:masterClrMapping/>
+  </p:clrMapOvr>
+</p:notes>
 </file>
 
 <file path=ppt/slideLayouts/slideLayout1.xml><?xml version="1.0" encoding="utf-8"?>
@@ -254,7 +703,7 @@
           <a:p>
             <a:fld id="{E85C6E22-EC32-44BD-AD1D-4AB166DE9D08}" type="datetimeFigureOut">
               <a:rPr lang="en-US" smtClean="0"/>
-              <a:t>5/17/2021</a:t>
+              <a:t>4/8/2024</a:t>
             </a:fld>
             <a:endParaRPr lang="en-US"/>
           </a:p>
@@ -452,7 +901,7 @@
           <a:p>
             <a:fld id="{E85C6E22-EC32-44BD-AD1D-4AB166DE9D08}" type="datetimeFigureOut">
               <a:rPr lang="en-US" smtClean="0"/>
-              <a:t>5/17/2021</a:t>
+              <a:t>4/8/2024</a:t>
             </a:fld>
             <a:endParaRPr lang="en-US"/>
           </a:p>
@@ -660,7 +1109,7 @@
           <a:p>
             <a:fld id="{E85C6E22-EC32-44BD-AD1D-4AB166DE9D08}" type="datetimeFigureOut">
               <a:rPr lang="en-US" smtClean="0"/>
-              <a:t>5/17/2021</a:t>
+              <a:t>4/8/2024</a:t>
             </a:fld>
             <a:endParaRPr lang="en-US"/>
           </a:p>
@@ -858,7 +1307,7 @@
           <a:p>
             <a:fld id="{E85C6E22-EC32-44BD-AD1D-4AB166DE9D08}" type="datetimeFigureOut">
               <a:rPr lang="en-US" smtClean="0"/>
-              <a:t>5/17/2021</a:t>
+              <a:t>4/8/2024</a:t>
             </a:fld>
             <a:endParaRPr lang="en-US"/>
           </a:p>
@@ -1133,7 +1582,7 @@
           <a:p>
             <a:fld id="{E85C6E22-EC32-44BD-AD1D-4AB166DE9D08}" type="datetimeFigureOut">
               <a:rPr lang="en-US" smtClean="0"/>
-              <a:t>5/17/2021</a:t>
+              <a:t>4/8/2024</a:t>
             </a:fld>
             <a:endParaRPr lang="en-US"/>
           </a:p>
@@ -1398,7 +1847,7 @@
           <a:p>
             <a:fld id="{E85C6E22-EC32-44BD-AD1D-4AB166DE9D08}" type="datetimeFigureOut">
               <a:rPr lang="en-US" smtClean="0"/>
-              <a:t>5/17/2021</a:t>
+              <a:t>4/8/2024</a:t>
             </a:fld>
             <a:endParaRPr lang="en-US"/>
           </a:p>
@@ -1810,7 +2259,7 @@
           <a:p>
             <a:fld id="{E85C6E22-EC32-44BD-AD1D-4AB166DE9D08}" type="datetimeFigureOut">
               <a:rPr lang="en-US" smtClean="0"/>
-              <a:t>5/17/2021</a:t>
+              <a:t>4/8/2024</a:t>
             </a:fld>
             <a:endParaRPr lang="en-US"/>
           </a:p>
@@ -1951,7 +2400,7 @@
           <a:p>
             <a:fld id="{E85C6E22-EC32-44BD-AD1D-4AB166DE9D08}" type="datetimeFigureOut">
               <a:rPr lang="en-US" smtClean="0"/>
-              <a:t>5/17/2021</a:t>
+              <a:t>4/8/2024</a:t>
             </a:fld>
             <a:endParaRPr lang="en-US"/>
           </a:p>
@@ -2064,7 +2513,7 @@
           <a:p>
             <a:fld id="{E85C6E22-EC32-44BD-AD1D-4AB166DE9D08}" type="datetimeFigureOut">
               <a:rPr lang="en-US" smtClean="0"/>
-              <a:t>5/17/2021</a:t>
+              <a:t>4/8/2024</a:t>
             </a:fld>
             <a:endParaRPr lang="en-US"/>
           </a:p>
@@ -2375,7 +2824,7 @@
           <a:p>
             <a:fld id="{E85C6E22-EC32-44BD-AD1D-4AB166DE9D08}" type="datetimeFigureOut">
               <a:rPr lang="en-US" smtClean="0"/>
-              <a:t>5/17/2021</a:t>
+              <a:t>4/8/2024</a:t>
             </a:fld>
             <a:endParaRPr lang="en-US"/>
           </a:p>
@@ -2663,7 +3112,7 @@
           <a:p>
             <a:fld id="{E85C6E22-EC32-44BD-AD1D-4AB166DE9D08}" type="datetimeFigureOut">
               <a:rPr lang="en-US" smtClean="0"/>
-              <a:t>5/17/2021</a:t>
+              <a:t>4/8/2024</a:t>
             </a:fld>
             <a:endParaRPr lang="en-US"/>
           </a:p>
@@ -2904,7 +3353,7 @@
           <a:p>
             <a:fld id="{E85C6E22-EC32-44BD-AD1D-4AB166DE9D08}" type="datetimeFigureOut">
               <a:rPr lang="en-US" smtClean="0"/>
-              <a:t>5/17/2021</a:t>
+              <a:t>4/8/2024</a:t>
             </a:fld>
             <a:endParaRPr lang="en-US"/>
           </a:p>
@@ -3691,6 +4140,2505 @@
 </p:sld>
 </file>
 
+<file path=ppt/slides/slide2.xml><?xml version="1.0" encoding="utf-8"?>
+<p:sld xmlns:a="http://schemas.openxmlformats.org/drawingml/2006/main" xmlns:r="http://schemas.openxmlformats.org/officeDocument/2006/relationships" xmlns:p="http://schemas.openxmlformats.org/presentationml/2006/main">
+  <p:cSld>
+    <p:spTree>
+      <p:nvGrpSpPr>
+        <p:cNvPr id="1" name=""/>
+        <p:cNvGrpSpPr/>
+        <p:nvPr/>
+      </p:nvGrpSpPr>
+      <p:grpSpPr>
+        <a:xfrm>
+          <a:off x="0" y="0"/>
+          <a:ext cx="0" cy="0"/>
+          <a:chOff x="0" y="0"/>
+          <a:chExt cx="0" cy="0"/>
+        </a:xfrm>
+      </p:grpSpPr>
+      <p:pic>
+        <p:nvPicPr>
+          <p:cNvPr id="1026" name="Picture 2" descr="Interfacing PC with Arduino Uno using Serial Communication Port">
+            <a:extLst>
+              <a:ext uri="{FF2B5EF4-FFF2-40B4-BE49-F238E27FC236}">
+                <a16:creationId xmlns:a16="http://schemas.microsoft.com/office/drawing/2014/main" id="{C63163F4-6AA7-1FCA-9760-86949738E81C}"/>
+              </a:ext>
+            </a:extLst>
+          </p:cNvPr>
+          <p:cNvPicPr>
+            <a:picLocks noChangeAspect="1" noChangeArrowheads="1"/>
+          </p:cNvPicPr>
+          <p:nvPr/>
+        </p:nvPicPr>
+        <p:blipFill>
+          <a:blip r:embed="rId3">
+            <a:extLst>
+              <a:ext uri="{28A0092B-C50C-407E-A947-70E740481C1C}">
+                <a14:useLocalDpi xmlns:a14="http://schemas.microsoft.com/office/drawing/2010/main" val="0"/>
+              </a:ext>
+            </a:extLst>
+          </a:blip>
+          <a:srcRect/>
+          <a:stretch>
+            <a:fillRect/>
+          </a:stretch>
+        </p:blipFill>
+        <p:spPr bwMode="auto">
+          <a:xfrm>
+            <a:off x="0" y="-719512"/>
+            <a:ext cx="12038275" cy="8033965"/>
+          </a:xfrm>
+          <a:prstGeom prst="rect">
+            <a:avLst/>
+          </a:prstGeom>
+          <a:noFill/>
+          <a:extLst>
+            <a:ext uri="{909E8E84-426E-40DD-AFC4-6F175D3DCCD1}">
+              <a14:hiddenFill xmlns:a14="http://schemas.microsoft.com/office/drawing/2010/main">
+                <a:solidFill>
+                  <a:srgbClr val="FFFFFF"/>
+                </a:solidFill>
+              </a14:hiddenFill>
+            </a:ext>
+          </a:extLst>
+        </p:spPr>
+      </p:pic>
+    </p:spTree>
+    <p:extLst>
+      <p:ext uri="{BB962C8B-B14F-4D97-AF65-F5344CB8AC3E}">
+        <p14:creationId xmlns:p14="http://schemas.microsoft.com/office/powerpoint/2010/main" val="1539159927"/>
+      </p:ext>
+    </p:extLst>
+  </p:cSld>
+  <p:clrMapOvr>
+    <a:masterClrMapping/>
+  </p:clrMapOvr>
+</p:sld>
+</file>
+
+<file path=ppt/slides/slide3.xml><?xml version="1.0" encoding="utf-8"?>
+<p:sld xmlns:a="http://schemas.openxmlformats.org/drawingml/2006/main" xmlns:r="http://schemas.openxmlformats.org/officeDocument/2006/relationships" xmlns:p="http://schemas.openxmlformats.org/presentationml/2006/main">
+  <p:cSld>
+    <p:bg>
+      <p:bgPr>
+        <a:solidFill>
+          <a:srgbClr val="F2F3F5"/>
+        </a:solidFill>
+        <a:effectLst/>
+      </p:bgPr>
+    </p:bg>
+    <p:spTree>
+      <p:nvGrpSpPr>
+        <p:cNvPr id="1" name=""/>
+        <p:cNvGrpSpPr/>
+        <p:nvPr/>
+      </p:nvGrpSpPr>
+      <p:grpSpPr>
+        <a:xfrm>
+          <a:off x="0" y="0"/>
+          <a:ext cx="0" cy="0"/>
+          <a:chOff x="0" y="0"/>
+          <a:chExt cx="0" cy="0"/>
+        </a:xfrm>
+      </p:grpSpPr>
+      <p:grpSp>
+        <p:nvGrpSpPr>
+          <p:cNvPr id="8" name="Group 7">
+            <a:extLst>
+              <a:ext uri="{FF2B5EF4-FFF2-40B4-BE49-F238E27FC236}">
+                <a16:creationId xmlns:a16="http://schemas.microsoft.com/office/drawing/2014/main" id="{09A998F4-D6E2-066F-6822-13D786E1E37F}"/>
+              </a:ext>
+            </a:extLst>
+          </p:cNvPr>
+          <p:cNvGrpSpPr/>
+          <p:nvPr/>
+        </p:nvGrpSpPr>
+        <p:grpSpPr>
+          <a:xfrm>
+            <a:off x="1439186" y="1886358"/>
+            <a:ext cx="8770289" cy="2882085"/>
+            <a:chOff x="0" y="1464939"/>
+            <a:chExt cx="12518699" cy="4113885"/>
+          </a:xfrm>
+        </p:grpSpPr>
+        <p:pic>
+          <p:nvPicPr>
+            <p:cNvPr id="5" name="Picture 4">
+              <a:extLst>
+                <a:ext uri="{FF2B5EF4-FFF2-40B4-BE49-F238E27FC236}">
+                  <a16:creationId xmlns:a16="http://schemas.microsoft.com/office/drawing/2014/main" id="{3AB28539-FEA2-18A2-DDE4-17E0B1F3B8A3}"/>
+                </a:ext>
+              </a:extLst>
+            </p:cNvPr>
+            <p:cNvPicPr>
+              <a:picLocks noChangeAspect="1"/>
+            </p:cNvPicPr>
+            <p:nvPr/>
+          </p:nvPicPr>
+          <p:blipFill>
+            <a:blip r:embed="rId2"/>
+            <a:stretch>
+              <a:fillRect/>
+            </a:stretch>
+          </p:blipFill>
+          <p:spPr>
+            <a:xfrm>
+              <a:off x="0" y="1464939"/>
+              <a:ext cx="12192000" cy="3928122"/>
+            </a:xfrm>
+            <a:prstGeom prst="rect">
+              <a:avLst/>
+            </a:prstGeom>
+          </p:spPr>
+        </p:pic>
+        <p:pic>
+          <p:nvPicPr>
+            <p:cNvPr id="7" name="Picture 6">
+              <a:extLst>
+                <a:ext uri="{FF2B5EF4-FFF2-40B4-BE49-F238E27FC236}">
+                  <a16:creationId xmlns:a16="http://schemas.microsoft.com/office/drawing/2014/main" id="{9C3A540F-96A6-06FF-97D3-EC8DDF918A70}"/>
+                </a:ext>
+              </a:extLst>
+            </p:cNvPr>
+            <p:cNvPicPr>
+              <a:picLocks noChangeAspect="1"/>
+            </p:cNvPicPr>
+            <p:nvPr/>
+          </p:nvPicPr>
+          <p:blipFill>
+            <a:blip r:embed="rId3"/>
+            <a:stretch>
+              <a:fillRect/>
+            </a:stretch>
+          </p:blipFill>
+          <p:spPr>
+            <a:xfrm>
+              <a:off x="12061435" y="5207297"/>
+              <a:ext cx="457264" cy="371527"/>
+            </a:xfrm>
+            <a:prstGeom prst="rect">
+              <a:avLst/>
+            </a:prstGeom>
+          </p:spPr>
+        </p:pic>
+      </p:grpSp>
+      <p:sp>
+        <p:nvSpPr>
+          <p:cNvPr id="9" name="Arrow: Up-Down 8">
+            <a:extLst>
+              <a:ext uri="{FF2B5EF4-FFF2-40B4-BE49-F238E27FC236}">
+                <a16:creationId xmlns:a16="http://schemas.microsoft.com/office/drawing/2014/main" id="{F84ACF04-94A8-06C9-0410-2B821736A3F4}"/>
+              </a:ext>
+            </a:extLst>
+          </p:cNvPr>
+          <p:cNvSpPr/>
+          <p:nvPr/>
+        </p:nvSpPr>
+        <p:spPr>
+          <a:xfrm rot="16200000">
+            <a:off x="5595730" y="6432605"/>
+            <a:ext cx="333955" cy="1936143"/>
+          </a:xfrm>
+          <a:prstGeom prst="upDownArrow">
+            <a:avLst/>
+          </a:prstGeom>
+        </p:spPr>
+        <p:style>
+          <a:lnRef idx="2">
+            <a:schemeClr val="accent1">
+              <a:shade val="15000"/>
+            </a:schemeClr>
+          </a:lnRef>
+          <a:fillRef idx="1">
+            <a:schemeClr val="accent1"/>
+          </a:fillRef>
+          <a:effectRef idx="0">
+            <a:schemeClr val="accent1"/>
+          </a:effectRef>
+          <a:fontRef idx="minor">
+            <a:schemeClr val="lt1"/>
+          </a:fontRef>
+        </p:style>
+        <p:txBody>
+          <a:bodyPr rtlCol="0" anchor="ctr"/>
+          <a:lstStyle/>
+          <a:p>
+            <a:pPr algn="ctr"/>
+            <a:endParaRPr lang="en-US"/>
+          </a:p>
+        </p:txBody>
+      </p:sp>
+      <p:pic>
+        <p:nvPicPr>
+          <p:cNvPr id="2050" name="Picture 2" descr="TTL Signal">
+            <a:extLst>
+              <a:ext uri="{FF2B5EF4-FFF2-40B4-BE49-F238E27FC236}">
+                <a16:creationId xmlns:a16="http://schemas.microsoft.com/office/drawing/2014/main" id="{8A065755-CA67-8BCB-3017-FC86751352AE}"/>
+              </a:ext>
+            </a:extLst>
+          </p:cNvPr>
+          <p:cNvPicPr>
+            <a:picLocks noChangeAspect="1" noChangeArrowheads="1"/>
+          </p:cNvPicPr>
+          <p:nvPr/>
+        </p:nvPicPr>
+        <p:blipFill>
+          <a:blip r:embed="rId4">
+            <a:extLst>
+              <a:ext uri="{28A0092B-C50C-407E-A947-70E740481C1C}">
+                <a14:useLocalDpi xmlns:a14="http://schemas.microsoft.com/office/drawing/2010/main" val="0"/>
+              </a:ext>
+            </a:extLst>
+          </a:blip>
+          <a:srcRect/>
+          <a:stretch>
+            <a:fillRect/>
+          </a:stretch>
+        </p:blipFill>
+        <p:spPr bwMode="auto">
+          <a:xfrm>
+            <a:off x="4990824" y="5038883"/>
+            <a:ext cx="1739956" cy="316092"/>
+          </a:xfrm>
+          <a:prstGeom prst="rect">
+            <a:avLst/>
+          </a:prstGeom>
+          <a:noFill/>
+          <a:extLst>
+            <a:ext uri="{909E8E84-426E-40DD-AFC4-6F175D3DCCD1}">
+              <a14:hiddenFill xmlns:a14="http://schemas.microsoft.com/office/drawing/2010/main">
+                <a:solidFill>
+                  <a:srgbClr val="FFFFFF"/>
+                </a:solidFill>
+              </a14:hiddenFill>
+            </a:ext>
+          </a:extLst>
+        </p:spPr>
+      </p:pic>
+    </p:spTree>
+    <p:extLst>
+      <p:ext uri="{BB962C8B-B14F-4D97-AF65-F5344CB8AC3E}">
+        <p14:creationId xmlns:p14="http://schemas.microsoft.com/office/powerpoint/2010/main" val="1292472850"/>
+      </p:ext>
+    </p:extLst>
+  </p:cSld>
+  <p:clrMapOvr>
+    <a:masterClrMapping/>
+  </p:clrMapOvr>
+</p:sld>
+</file>
+
+<file path=ppt/slides/slide4.xml><?xml version="1.0" encoding="utf-8"?>
+<p:sld xmlns:a="http://schemas.openxmlformats.org/drawingml/2006/main" xmlns:r="http://schemas.openxmlformats.org/officeDocument/2006/relationships" xmlns:p="http://schemas.openxmlformats.org/presentationml/2006/main">
+  <p:cSld>
+    <p:bg>
+      <p:bgPr>
+        <a:solidFill>
+          <a:srgbClr val="F4F6F7"/>
+        </a:solidFill>
+        <a:effectLst/>
+      </p:bgPr>
+    </p:bg>
+    <p:spTree>
+      <p:nvGrpSpPr>
+        <p:cNvPr id="1" name=""/>
+        <p:cNvGrpSpPr/>
+        <p:nvPr/>
+      </p:nvGrpSpPr>
+      <p:grpSpPr>
+        <a:xfrm>
+          <a:off x="0" y="0"/>
+          <a:ext cx="0" cy="0"/>
+          <a:chOff x="0" y="0"/>
+          <a:chExt cx="0" cy="0"/>
+        </a:xfrm>
+      </p:grpSpPr>
+      <p:pic>
+        <p:nvPicPr>
+          <p:cNvPr id="4" name="Picture 3">
+            <a:extLst>
+              <a:ext uri="{FF2B5EF4-FFF2-40B4-BE49-F238E27FC236}">
+                <a16:creationId xmlns:a16="http://schemas.microsoft.com/office/drawing/2014/main" id="{033AC1A6-A120-F5F1-7751-85922266C315}"/>
+              </a:ext>
+            </a:extLst>
+          </p:cNvPr>
+          <p:cNvPicPr>
+            <a:picLocks noChangeAspect="1"/>
+          </p:cNvPicPr>
+          <p:nvPr/>
+        </p:nvPicPr>
+        <p:blipFill rotWithShape="1">
+          <a:blip r:embed="rId2"/>
+          <a:srcRect l="7434" t="35700" r="45176"/>
+          <a:stretch/>
+        </p:blipFill>
+        <p:spPr>
+          <a:xfrm rot="10800000">
+            <a:off x="8030817" y="1598621"/>
+            <a:ext cx="3386424" cy="2503707"/>
+          </a:xfrm>
+          <a:prstGeom prst="rect">
+            <a:avLst/>
+          </a:prstGeom>
+        </p:spPr>
+      </p:pic>
+      <p:grpSp>
+        <p:nvGrpSpPr>
+          <p:cNvPr id="5" name="Group 4">
+            <a:extLst>
+              <a:ext uri="{FF2B5EF4-FFF2-40B4-BE49-F238E27FC236}">
+                <a16:creationId xmlns:a16="http://schemas.microsoft.com/office/drawing/2014/main" id="{011F5906-7688-AF1B-8274-827937D180AE}"/>
+              </a:ext>
+            </a:extLst>
+          </p:cNvPr>
+          <p:cNvGrpSpPr/>
+          <p:nvPr/>
+        </p:nvGrpSpPr>
+        <p:grpSpPr>
+          <a:xfrm>
+            <a:off x="2661739" y="-2762607"/>
+            <a:ext cx="8770289" cy="2882085"/>
+            <a:chOff x="0" y="1464939"/>
+            <a:chExt cx="12518699" cy="4113885"/>
+          </a:xfrm>
+        </p:grpSpPr>
+        <p:pic>
+          <p:nvPicPr>
+            <p:cNvPr id="6" name="Picture 5">
+              <a:extLst>
+                <a:ext uri="{FF2B5EF4-FFF2-40B4-BE49-F238E27FC236}">
+                  <a16:creationId xmlns:a16="http://schemas.microsoft.com/office/drawing/2014/main" id="{FB345465-F94F-B1C0-36AC-4888AD1A461F}"/>
+                </a:ext>
+              </a:extLst>
+            </p:cNvPr>
+            <p:cNvPicPr>
+              <a:picLocks noChangeAspect="1"/>
+            </p:cNvPicPr>
+            <p:nvPr/>
+          </p:nvPicPr>
+          <p:blipFill>
+            <a:blip r:embed="rId3"/>
+            <a:stretch>
+              <a:fillRect/>
+            </a:stretch>
+          </p:blipFill>
+          <p:spPr>
+            <a:xfrm>
+              <a:off x="0" y="1464939"/>
+              <a:ext cx="12192000" cy="3928122"/>
+            </a:xfrm>
+            <a:prstGeom prst="rect">
+              <a:avLst/>
+            </a:prstGeom>
+          </p:spPr>
+        </p:pic>
+        <p:pic>
+          <p:nvPicPr>
+            <p:cNvPr id="7" name="Picture 6">
+              <a:extLst>
+                <a:ext uri="{FF2B5EF4-FFF2-40B4-BE49-F238E27FC236}">
+                  <a16:creationId xmlns:a16="http://schemas.microsoft.com/office/drawing/2014/main" id="{C0A91371-FB72-09EE-D789-CB11E8585826}"/>
+                </a:ext>
+              </a:extLst>
+            </p:cNvPr>
+            <p:cNvPicPr>
+              <a:picLocks noChangeAspect="1"/>
+            </p:cNvPicPr>
+            <p:nvPr/>
+          </p:nvPicPr>
+          <p:blipFill>
+            <a:blip r:embed="rId4"/>
+            <a:stretch>
+              <a:fillRect/>
+            </a:stretch>
+          </p:blipFill>
+          <p:spPr>
+            <a:xfrm>
+              <a:off x="12061435" y="5207297"/>
+              <a:ext cx="457264" cy="371527"/>
+            </a:xfrm>
+            <a:prstGeom prst="rect">
+              <a:avLst/>
+            </a:prstGeom>
+          </p:spPr>
+        </p:pic>
+      </p:grpSp>
+      <p:grpSp>
+        <p:nvGrpSpPr>
+          <p:cNvPr id="10" name="Group 9">
+            <a:extLst>
+              <a:ext uri="{FF2B5EF4-FFF2-40B4-BE49-F238E27FC236}">
+                <a16:creationId xmlns:a16="http://schemas.microsoft.com/office/drawing/2014/main" id="{2091BEFD-6730-54C9-D803-AC67CCBF6D75}"/>
+              </a:ext>
+            </a:extLst>
+          </p:cNvPr>
+          <p:cNvGrpSpPr/>
+          <p:nvPr/>
+        </p:nvGrpSpPr>
+        <p:grpSpPr>
+          <a:xfrm>
+            <a:off x="7436948" y="2361468"/>
+            <a:ext cx="617722" cy="389683"/>
+            <a:chOff x="7413095" y="2369419"/>
+            <a:chExt cx="617722" cy="389683"/>
+          </a:xfrm>
+        </p:grpSpPr>
+        <p:sp>
+          <p:nvSpPr>
+            <p:cNvPr id="8" name="Rectangle: Rounded Corners 7">
+              <a:extLst>
+                <a:ext uri="{FF2B5EF4-FFF2-40B4-BE49-F238E27FC236}">
+                  <a16:creationId xmlns:a16="http://schemas.microsoft.com/office/drawing/2014/main" id="{23939933-B9EC-4382-D2DE-96E3984A9861}"/>
+                </a:ext>
+              </a:extLst>
+            </p:cNvPr>
+            <p:cNvSpPr/>
+            <p:nvPr/>
+          </p:nvSpPr>
+          <p:spPr>
+            <a:xfrm>
+              <a:off x="7413095" y="2369419"/>
+              <a:ext cx="617722" cy="389683"/>
+            </a:xfrm>
+            <a:prstGeom prst="roundRect">
+              <a:avLst/>
+            </a:prstGeom>
+            <a:solidFill>
+              <a:schemeClr val="tx1">
+                <a:lumMod val="85000"/>
+                <a:lumOff val="15000"/>
+              </a:schemeClr>
+            </a:solidFill>
+            <a:ln>
+              <a:solidFill>
+                <a:schemeClr val="tx1">
+                  <a:lumMod val="50000"/>
+                  <a:lumOff val="50000"/>
+                </a:schemeClr>
+              </a:solidFill>
+            </a:ln>
+          </p:spPr>
+          <p:style>
+            <a:lnRef idx="2">
+              <a:schemeClr val="accent1">
+                <a:shade val="15000"/>
+              </a:schemeClr>
+            </a:lnRef>
+            <a:fillRef idx="1">
+              <a:schemeClr val="accent1"/>
+            </a:fillRef>
+            <a:effectRef idx="0">
+              <a:schemeClr val="accent1"/>
+            </a:effectRef>
+            <a:fontRef idx="minor">
+              <a:schemeClr val="lt1"/>
+            </a:fontRef>
+          </p:style>
+          <p:txBody>
+            <a:bodyPr rtlCol="0" anchor="ctr"/>
+            <a:lstStyle/>
+            <a:p>
+              <a:pPr algn="ctr"/>
+              <a:endParaRPr lang="en-US"/>
+            </a:p>
+          </p:txBody>
+        </p:sp>
+        <p:sp>
+          <p:nvSpPr>
+            <p:cNvPr id="9" name="Rectangle: Rounded Corners 8">
+              <a:extLst>
+                <a:ext uri="{FF2B5EF4-FFF2-40B4-BE49-F238E27FC236}">
+                  <a16:creationId xmlns:a16="http://schemas.microsoft.com/office/drawing/2014/main" id="{636E1A83-B0D4-5DF9-27BE-1E5FE418E7F4}"/>
+                </a:ext>
+              </a:extLst>
+            </p:cNvPr>
+            <p:cNvSpPr/>
+            <p:nvPr/>
+          </p:nvSpPr>
+          <p:spPr>
+            <a:xfrm>
+              <a:off x="7533887" y="2445618"/>
+              <a:ext cx="376139" cy="237283"/>
+            </a:xfrm>
+            <a:prstGeom prst="roundRect">
+              <a:avLst/>
+            </a:prstGeom>
+            <a:solidFill>
+              <a:schemeClr val="tx1">
+                <a:lumMod val="85000"/>
+                <a:lumOff val="15000"/>
+              </a:schemeClr>
+            </a:solidFill>
+            <a:ln>
+              <a:solidFill>
+                <a:schemeClr val="tx1">
+                  <a:lumMod val="50000"/>
+                  <a:lumOff val="50000"/>
+                </a:schemeClr>
+              </a:solidFill>
+            </a:ln>
+          </p:spPr>
+          <p:style>
+            <a:lnRef idx="2">
+              <a:schemeClr val="accent1">
+                <a:shade val="15000"/>
+              </a:schemeClr>
+            </a:lnRef>
+            <a:fillRef idx="1">
+              <a:schemeClr val="accent1"/>
+            </a:fillRef>
+            <a:effectRef idx="0">
+              <a:schemeClr val="accent1"/>
+            </a:effectRef>
+            <a:fontRef idx="minor">
+              <a:schemeClr val="lt1"/>
+            </a:fontRef>
+          </p:style>
+          <p:txBody>
+            <a:bodyPr rtlCol="0" anchor="ctr"/>
+            <a:lstStyle/>
+            <a:p>
+              <a:pPr algn="ctr"/>
+              <a:endParaRPr lang="en-US"/>
+            </a:p>
+          </p:txBody>
+        </p:sp>
+      </p:grpSp>
+      <p:sp>
+        <p:nvSpPr>
+          <p:cNvPr id="19" name="Freeform: Shape 18">
+            <a:extLst>
+              <a:ext uri="{FF2B5EF4-FFF2-40B4-BE49-F238E27FC236}">
+                <a16:creationId xmlns:a16="http://schemas.microsoft.com/office/drawing/2014/main" id="{A9BFCA95-860E-7F8D-2FCE-71F1E2FBC0FC}"/>
+              </a:ext>
+            </a:extLst>
+          </p:cNvPr>
+          <p:cNvSpPr/>
+          <p:nvPr/>
+        </p:nvSpPr>
+        <p:spPr>
+          <a:xfrm>
+            <a:off x="4468632" y="2499504"/>
+            <a:ext cx="2957886" cy="792336"/>
+          </a:xfrm>
+          <a:custGeom>
+            <a:avLst/>
+            <a:gdLst>
+              <a:gd name="connsiteX0" fmla="*/ 2957886 w 2957886"/>
+              <a:gd name="connsiteY0" fmla="*/ 52865 h 792336"/>
+              <a:gd name="connsiteX1" fmla="*/ 1009816 w 2957886"/>
+              <a:gd name="connsiteY1" fmla="*/ 44913 h 792336"/>
+              <a:gd name="connsiteX2" fmla="*/ 1598213 w 2957886"/>
+              <a:gd name="connsiteY2" fmla="*/ 537894 h 792336"/>
+              <a:gd name="connsiteX3" fmla="*/ 0 w 2957886"/>
+              <a:gd name="connsiteY3" fmla="*/ 792336 h 792336"/>
+            </a:gdLst>
+            <a:ahLst/>
+            <a:cxnLst>
+              <a:cxn ang="0">
+                <a:pos x="connsiteX0" y="connsiteY0"/>
+              </a:cxn>
+              <a:cxn ang="0">
+                <a:pos x="connsiteX1" y="connsiteY1"/>
+              </a:cxn>
+              <a:cxn ang="0">
+                <a:pos x="connsiteX2" y="connsiteY2"/>
+              </a:cxn>
+              <a:cxn ang="0">
+                <a:pos x="connsiteX3" y="connsiteY3"/>
+              </a:cxn>
+            </a:cxnLst>
+            <a:rect l="l" t="t" r="r" b="b"/>
+            <a:pathLst>
+              <a:path w="2957886" h="792336">
+                <a:moveTo>
+                  <a:pt x="2957886" y="52865"/>
+                </a:moveTo>
+                <a:cubicBezTo>
+                  <a:pt x="2097157" y="8470"/>
+                  <a:pt x="1236428" y="-35925"/>
+                  <a:pt x="1009816" y="44913"/>
+                </a:cubicBezTo>
+                <a:cubicBezTo>
+                  <a:pt x="783204" y="125751"/>
+                  <a:pt x="1766516" y="413324"/>
+                  <a:pt x="1598213" y="537894"/>
+                </a:cubicBezTo>
+                <a:cubicBezTo>
+                  <a:pt x="1429910" y="662464"/>
+                  <a:pt x="714955" y="727400"/>
+                  <a:pt x="0" y="792336"/>
+                </a:cubicBezTo>
+              </a:path>
+            </a:pathLst>
+          </a:custGeom>
+          <a:noFill/>
+          <a:ln w="57150"/>
+        </p:spPr>
+        <p:style>
+          <a:lnRef idx="2">
+            <a:schemeClr val="accent1">
+              <a:shade val="15000"/>
+            </a:schemeClr>
+          </a:lnRef>
+          <a:fillRef idx="1">
+            <a:schemeClr val="accent1"/>
+          </a:fillRef>
+          <a:effectRef idx="0">
+            <a:schemeClr val="accent1"/>
+          </a:effectRef>
+          <a:fontRef idx="minor">
+            <a:schemeClr val="lt1"/>
+          </a:fontRef>
+        </p:style>
+        <p:txBody>
+          <a:bodyPr rtlCol="0" anchor="ctr"/>
+          <a:lstStyle/>
+          <a:p>
+            <a:pPr algn="ctr"/>
+            <a:endParaRPr lang="en-US"/>
+          </a:p>
+        </p:txBody>
+      </p:sp>
+      <p:pic>
+        <p:nvPicPr>
+          <p:cNvPr id="21" name="Graphic 20" descr="Laptop with solid fill">
+            <a:extLst>
+              <a:ext uri="{FF2B5EF4-FFF2-40B4-BE49-F238E27FC236}">
+                <a16:creationId xmlns:a16="http://schemas.microsoft.com/office/drawing/2014/main" id="{4F6CDD9C-B0B7-99EF-96CF-9BD65AD7C294}"/>
+              </a:ext>
+            </a:extLst>
+          </p:cNvPr>
+          <p:cNvPicPr>
+            <a:picLocks noChangeAspect="1"/>
+          </p:cNvPicPr>
+          <p:nvPr/>
+        </p:nvPicPr>
+        <p:blipFill>
+          <a:blip r:embed="rId5">
+            <a:extLst>
+              <a:ext uri="{28A0092B-C50C-407E-A947-70E740481C1C}">
+                <a14:useLocalDpi xmlns:a14="http://schemas.microsoft.com/office/drawing/2010/main" val="0"/>
+              </a:ext>
+              <a:ext uri="{96DAC541-7B7A-43D3-8B79-37D633B846F1}">
+                <asvg:svgBlip xmlns:asvg="http://schemas.microsoft.com/office/drawing/2016/SVG/main" r:embed="rId6"/>
+              </a:ext>
+            </a:extLst>
+          </a:blip>
+          <a:stretch>
+            <a:fillRect/>
+          </a:stretch>
+        </p:blipFill>
+        <p:spPr>
+          <a:xfrm>
+            <a:off x="625224" y="1179281"/>
+            <a:ext cx="3871523" cy="3871523"/>
+          </a:xfrm>
+          <a:prstGeom prst="rect">
+            <a:avLst/>
+          </a:prstGeom>
+        </p:spPr>
+      </p:pic>
+      <p:pic>
+        <p:nvPicPr>
+          <p:cNvPr id="3074" name="Picture 2" descr="TTL Signal">
+            <a:extLst>
+              <a:ext uri="{FF2B5EF4-FFF2-40B4-BE49-F238E27FC236}">
+                <a16:creationId xmlns:a16="http://schemas.microsoft.com/office/drawing/2014/main" id="{0BE7C0AE-DF72-B965-71F3-130A4EA533E6}"/>
+              </a:ext>
+            </a:extLst>
+          </p:cNvPr>
+          <p:cNvPicPr>
+            <a:picLocks noChangeAspect="1" noChangeArrowheads="1"/>
+          </p:cNvPicPr>
+          <p:nvPr/>
+        </p:nvPicPr>
+        <p:blipFill>
+          <a:blip r:embed="rId7">
+            <a:extLst>
+              <a:ext uri="{28A0092B-C50C-407E-A947-70E740481C1C}">
+                <a14:useLocalDpi xmlns:a14="http://schemas.microsoft.com/office/drawing/2010/main" val="0"/>
+              </a:ext>
+            </a:extLst>
+          </a:blip>
+          <a:srcRect/>
+          <a:stretch>
+            <a:fillRect/>
+          </a:stretch>
+        </p:blipFill>
+        <p:spPr bwMode="auto">
+          <a:xfrm>
+            <a:off x="4770085" y="3428525"/>
+            <a:ext cx="2861562" cy="519850"/>
+          </a:xfrm>
+          <a:prstGeom prst="rect">
+            <a:avLst/>
+          </a:prstGeom>
+          <a:noFill/>
+          <a:extLst>
+            <a:ext uri="{909E8E84-426E-40DD-AFC4-6F175D3DCCD1}">
+              <a14:hiddenFill xmlns:a14="http://schemas.microsoft.com/office/drawing/2010/main">
+                <a:solidFill>
+                  <a:srgbClr val="FFFFFF"/>
+                </a:solidFill>
+              </a14:hiddenFill>
+            </a:ext>
+          </a:extLst>
+        </p:spPr>
+      </p:pic>
+      <p:grpSp>
+        <p:nvGrpSpPr>
+          <p:cNvPr id="24" name="Group 23">
+            <a:extLst>
+              <a:ext uri="{FF2B5EF4-FFF2-40B4-BE49-F238E27FC236}">
+                <a16:creationId xmlns:a16="http://schemas.microsoft.com/office/drawing/2014/main" id="{13CBBA00-96F2-C33B-A0EC-1795FAE562F4}"/>
+              </a:ext>
+            </a:extLst>
+          </p:cNvPr>
+          <p:cNvGrpSpPr/>
+          <p:nvPr/>
+        </p:nvGrpSpPr>
+        <p:grpSpPr>
+          <a:xfrm>
+            <a:off x="3942633" y="3115043"/>
+            <a:ext cx="617722" cy="389683"/>
+            <a:chOff x="7413095" y="2369419"/>
+            <a:chExt cx="617722" cy="389683"/>
+          </a:xfrm>
+        </p:grpSpPr>
+        <p:sp>
+          <p:nvSpPr>
+            <p:cNvPr id="25" name="Rectangle: Rounded Corners 24">
+              <a:extLst>
+                <a:ext uri="{FF2B5EF4-FFF2-40B4-BE49-F238E27FC236}">
+                  <a16:creationId xmlns:a16="http://schemas.microsoft.com/office/drawing/2014/main" id="{09B5A694-755F-EC73-9758-A04E87166F34}"/>
+                </a:ext>
+              </a:extLst>
+            </p:cNvPr>
+            <p:cNvSpPr/>
+            <p:nvPr/>
+          </p:nvSpPr>
+          <p:spPr>
+            <a:xfrm>
+              <a:off x="7413095" y="2369419"/>
+              <a:ext cx="617722" cy="389683"/>
+            </a:xfrm>
+            <a:prstGeom prst="roundRect">
+              <a:avLst/>
+            </a:prstGeom>
+            <a:solidFill>
+              <a:schemeClr val="tx1">
+                <a:lumMod val="85000"/>
+                <a:lumOff val="15000"/>
+              </a:schemeClr>
+            </a:solidFill>
+            <a:ln>
+              <a:solidFill>
+                <a:schemeClr val="tx1">
+                  <a:lumMod val="50000"/>
+                  <a:lumOff val="50000"/>
+                </a:schemeClr>
+              </a:solidFill>
+            </a:ln>
+          </p:spPr>
+          <p:style>
+            <a:lnRef idx="2">
+              <a:schemeClr val="accent1">
+                <a:shade val="15000"/>
+              </a:schemeClr>
+            </a:lnRef>
+            <a:fillRef idx="1">
+              <a:schemeClr val="accent1"/>
+            </a:fillRef>
+            <a:effectRef idx="0">
+              <a:schemeClr val="accent1"/>
+            </a:effectRef>
+            <a:fontRef idx="minor">
+              <a:schemeClr val="lt1"/>
+            </a:fontRef>
+          </p:style>
+          <p:txBody>
+            <a:bodyPr rtlCol="0" anchor="ctr"/>
+            <a:lstStyle/>
+            <a:p>
+              <a:pPr algn="ctr"/>
+              <a:endParaRPr lang="en-US"/>
+            </a:p>
+          </p:txBody>
+        </p:sp>
+        <p:sp>
+          <p:nvSpPr>
+            <p:cNvPr id="26" name="Rectangle: Rounded Corners 25">
+              <a:extLst>
+                <a:ext uri="{FF2B5EF4-FFF2-40B4-BE49-F238E27FC236}">
+                  <a16:creationId xmlns:a16="http://schemas.microsoft.com/office/drawing/2014/main" id="{9297927A-E3B0-139D-A2BB-CB3246C24206}"/>
+                </a:ext>
+              </a:extLst>
+            </p:cNvPr>
+            <p:cNvSpPr/>
+            <p:nvPr/>
+          </p:nvSpPr>
+          <p:spPr>
+            <a:xfrm>
+              <a:off x="7533887" y="2445618"/>
+              <a:ext cx="376139" cy="237283"/>
+            </a:xfrm>
+            <a:prstGeom prst="roundRect">
+              <a:avLst/>
+            </a:prstGeom>
+            <a:solidFill>
+              <a:schemeClr val="tx1">
+                <a:lumMod val="85000"/>
+                <a:lumOff val="15000"/>
+              </a:schemeClr>
+            </a:solidFill>
+            <a:ln>
+              <a:solidFill>
+                <a:schemeClr val="tx1">
+                  <a:lumMod val="50000"/>
+                  <a:lumOff val="50000"/>
+                </a:schemeClr>
+              </a:solidFill>
+            </a:ln>
+          </p:spPr>
+          <p:style>
+            <a:lnRef idx="2">
+              <a:schemeClr val="accent1">
+                <a:shade val="15000"/>
+              </a:schemeClr>
+            </a:lnRef>
+            <a:fillRef idx="1">
+              <a:schemeClr val="accent1"/>
+            </a:fillRef>
+            <a:effectRef idx="0">
+              <a:schemeClr val="accent1"/>
+            </a:effectRef>
+            <a:fontRef idx="minor">
+              <a:schemeClr val="lt1"/>
+            </a:fontRef>
+          </p:style>
+          <p:txBody>
+            <a:bodyPr rtlCol="0" anchor="ctr"/>
+            <a:lstStyle/>
+            <a:p>
+              <a:pPr algn="ctr"/>
+              <a:endParaRPr lang="en-US"/>
+            </a:p>
+          </p:txBody>
+        </p:sp>
+      </p:grpSp>
+      <p:sp>
+        <p:nvSpPr>
+          <p:cNvPr id="27" name="TextBox 26">
+            <a:extLst>
+              <a:ext uri="{FF2B5EF4-FFF2-40B4-BE49-F238E27FC236}">
+                <a16:creationId xmlns:a16="http://schemas.microsoft.com/office/drawing/2014/main" id="{382B1DF9-96D3-26A4-4F96-27B8CADB3B91}"/>
+              </a:ext>
+            </a:extLst>
+          </p:cNvPr>
+          <p:cNvSpPr txBox="1"/>
+          <p:nvPr/>
+        </p:nvSpPr>
+        <p:spPr>
+          <a:xfrm>
+            <a:off x="8229599" y="1555042"/>
+            <a:ext cx="4365267" cy="307777"/>
+          </a:xfrm>
+          <a:prstGeom prst="rect">
+            <a:avLst/>
+          </a:prstGeom>
+          <a:noFill/>
+        </p:spPr>
+        <p:txBody>
+          <a:bodyPr wrap="square" rtlCol="0">
+            <a:spAutoFit/>
+          </a:bodyPr>
+          <a:lstStyle/>
+          <a:p>
+            <a:r>
+              <a:rPr lang="en-US" sz="1400" b="1" dirty="0" err="1">
+                <a:latin typeface="Courier New" panose="02070309020205020404" pitchFamily="49" charset="0"/>
+                <a:cs typeface="Courier New" panose="02070309020205020404" pitchFamily="49" charset="0"/>
+              </a:rPr>
+              <a:t>Serial.println</a:t>
+            </a:r>
+            <a:r>
+              <a:rPr lang="en-US" sz="1400" b="1" dirty="0">
+                <a:latin typeface="Courier New" panose="02070309020205020404" pitchFamily="49" charset="0"/>
+                <a:cs typeface="Courier New" panose="02070309020205020404" pitchFamily="49" charset="0"/>
+              </a:rPr>
+              <a:t>(“Hello World”)</a:t>
+            </a:r>
+          </a:p>
+        </p:txBody>
+      </p:sp>
+    </p:spTree>
+    <p:extLst>
+      <p:ext uri="{BB962C8B-B14F-4D97-AF65-F5344CB8AC3E}">
+        <p14:creationId xmlns:p14="http://schemas.microsoft.com/office/powerpoint/2010/main" val="1376300549"/>
+      </p:ext>
+    </p:extLst>
+  </p:cSld>
+  <p:clrMapOvr>
+    <a:masterClrMapping/>
+  </p:clrMapOvr>
+</p:sld>
+</file>
+
+<file path=ppt/slides/slide5.xml><?xml version="1.0" encoding="utf-8"?>
+<p:sld xmlns:a="http://schemas.openxmlformats.org/drawingml/2006/main" xmlns:r="http://schemas.openxmlformats.org/officeDocument/2006/relationships" xmlns:p="http://schemas.openxmlformats.org/presentationml/2006/main">
+  <p:cSld>
+    <p:bg>
+      <p:bgPr>
+        <a:solidFill>
+          <a:srgbClr val="F4F6F7"/>
+        </a:solidFill>
+        <a:effectLst/>
+      </p:bgPr>
+    </p:bg>
+    <p:spTree>
+      <p:nvGrpSpPr>
+        <p:cNvPr id="1" name=""/>
+        <p:cNvGrpSpPr/>
+        <p:nvPr/>
+      </p:nvGrpSpPr>
+      <p:grpSpPr>
+        <a:xfrm>
+          <a:off x="0" y="0"/>
+          <a:ext cx="0" cy="0"/>
+          <a:chOff x="0" y="0"/>
+          <a:chExt cx="0" cy="0"/>
+        </a:xfrm>
+      </p:grpSpPr>
+      <p:pic>
+        <p:nvPicPr>
+          <p:cNvPr id="4" name="Picture 3">
+            <a:extLst>
+              <a:ext uri="{FF2B5EF4-FFF2-40B4-BE49-F238E27FC236}">
+                <a16:creationId xmlns:a16="http://schemas.microsoft.com/office/drawing/2014/main" id="{033AC1A6-A120-F5F1-7751-85922266C315}"/>
+              </a:ext>
+            </a:extLst>
+          </p:cNvPr>
+          <p:cNvPicPr>
+            <a:picLocks noChangeAspect="1"/>
+          </p:cNvPicPr>
+          <p:nvPr/>
+        </p:nvPicPr>
+        <p:blipFill rotWithShape="1">
+          <a:blip r:embed="rId2"/>
+          <a:srcRect l="7434" t="35700" r="45176"/>
+          <a:stretch/>
+        </p:blipFill>
+        <p:spPr>
+          <a:xfrm>
+            <a:off x="588038" y="1779390"/>
+            <a:ext cx="3386424" cy="2503707"/>
+          </a:xfrm>
+          <a:prstGeom prst="rect">
+            <a:avLst/>
+          </a:prstGeom>
+        </p:spPr>
+      </p:pic>
+      <p:grpSp>
+        <p:nvGrpSpPr>
+          <p:cNvPr id="5" name="Group 4">
+            <a:extLst>
+              <a:ext uri="{FF2B5EF4-FFF2-40B4-BE49-F238E27FC236}">
+                <a16:creationId xmlns:a16="http://schemas.microsoft.com/office/drawing/2014/main" id="{011F5906-7688-AF1B-8274-827937D180AE}"/>
+              </a:ext>
+            </a:extLst>
+          </p:cNvPr>
+          <p:cNvGrpSpPr/>
+          <p:nvPr/>
+        </p:nvGrpSpPr>
+        <p:grpSpPr>
+          <a:xfrm>
+            <a:off x="2661739" y="-2762607"/>
+            <a:ext cx="8770289" cy="2882085"/>
+            <a:chOff x="0" y="1464939"/>
+            <a:chExt cx="12518699" cy="4113885"/>
+          </a:xfrm>
+        </p:grpSpPr>
+        <p:pic>
+          <p:nvPicPr>
+            <p:cNvPr id="6" name="Picture 5">
+              <a:extLst>
+                <a:ext uri="{FF2B5EF4-FFF2-40B4-BE49-F238E27FC236}">
+                  <a16:creationId xmlns:a16="http://schemas.microsoft.com/office/drawing/2014/main" id="{FB345465-F94F-B1C0-36AC-4888AD1A461F}"/>
+                </a:ext>
+              </a:extLst>
+            </p:cNvPr>
+            <p:cNvPicPr>
+              <a:picLocks noChangeAspect="1"/>
+            </p:cNvPicPr>
+            <p:nvPr/>
+          </p:nvPicPr>
+          <p:blipFill>
+            <a:blip r:embed="rId3"/>
+            <a:stretch>
+              <a:fillRect/>
+            </a:stretch>
+          </p:blipFill>
+          <p:spPr>
+            <a:xfrm>
+              <a:off x="0" y="1464939"/>
+              <a:ext cx="12192000" cy="3928122"/>
+            </a:xfrm>
+            <a:prstGeom prst="rect">
+              <a:avLst/>
+            </a:prstGeom>
+          </p:spPr>
+        </p:pic>
+        <p:pic>
+          <p:nvPicPr>
+            <p:cNvPr id="7" name="Picture 6">
+              <a:extLst>
+                <a:ext uri="{FF2B5EF4-FFF2-40B4-BE49-F238E27FC236}">
+                  <a16:creationId xmlns:a16="http://schemas.microsoft.com/office/drawing/2014/main" id="{C0A91371-FB72-09EE-D789-CB11E8585826}"/>
+                </a:ext>
+              </a:extLst>
+            </p:cNvPr>
+            <p:cNvPicPr>
+              <a:picLocks noChangeAspect="1"/>
+            </p:cNvPicPr>
+            <p:nvPr/>
+          </p:nvPicPr>
+          <p:blipFill>
+            <a:blip r:embed="rId4"/>
+            <a:stretch>
+              <a:fillRect/>
+            </a:stretch>
+          </p:blipFill>
+          <p:spPr>
+            <a:xfrm>
+              <a:off x="12061435" y="5207297"/>
+              <a:ext cx="457264" cy="371527"/>
+            </a:xfrm>
+            <a:prstGeom prst="rect">
+              <a:avLst/>
+            </a:prstGeom>
+          </p:spPr>
+        </p:pic>
+      </p:grpSp>
+      <p:grpSp>
+        <p:nvGrpSpPr>
+          <p:cNvPr id="10" name="Group 9">
+            <a:extLst>
+              <a:ext uri="{FF2B5EF4-FFF2-40B4-BE49-F238E27FC236}">
+                <a16:creationId xmlns:a16="http://schemas.microsoft.com/office/drawing/2014/main" id="{2091BEFD-6730-54C9-D803-AC67CCBF6D75}"/>
+              </a:ext>
+            </a:extLst>
+          </p:cNvPr>
+          <p:cNvGrpSpPr/>
+          <p:nvPr/>
+        </p:nvGrpSpPr>
+        <p:grpSpPr>
+          <a:xfrm>
+            <a:off x="7436948" y="2361468"/>
+            <a:ext cx="617722" cy="389683"/>
+            <a:chOff x="7413095" y="2369419"/>
+            <a:chExt cx="617722" cy="389683"/>
+          </a:xfrm>
+        </p:grpSpPr>
+        <p:sp>
+          <p:nvSpPr>
+            <p:cNvPr id="8" name="Rectangle: Rounded Corners 7">
+              <a:extLst>
+                <a:ext uri="{FF2B5EF4-FFF2-40B4-BE49-F238E27FC236}">
+                  <a16:creationId xmlns:a16="http://schemas.microsoft.com/office/drawing/2014/main" id="{23939933-B9EC-4382-D2DE-96E3984A9861}"/>
+                </a:ext>
+              </a:extLst>
+            </p:cNvPr>
+            <p:cNvSpPr/>
+            <p:nvPr/>
+          </p:nvSpPr>
+          <p:spPr>
+            <a:xfrm>
+              <a:off x="7413095" y="2369419"/>
+              <a:ext cx="617722" cy="389683"/>
+            </a:xfrm>
+            <a:prstGeom prst="roundRect">
+              <a:avLst/>
+            </a:prstGeom>
+            <a:solidFill>
+              <a:schemeClr val="tx1">
+                <a:lumMod val="85000"/>
+                <a:lumOff val="15000"/>
+              </a:schemeClr>
+            </a:solidFill>
+            <a:ln>
+              <a:solidFill>
+                <a:schemeClr val="tx1">
+                  <a:lumMod val="50000"/>
+                  <a:lumOff val="50000"/>
+                </a:schemeClr>
+              </a:solidFill>
+            </a:ln>
+          </p:spPr>
+          <p:style>
+            <a:lnRef idx="2">
+              <a:schemeClr val="accent1">
+                <a:shade val="15000"/>
+              </a:schemeClr>
+            </a:lnRef>
+            <a:fillRef idx="1">
+              <a:schemeClr val="accent1"/>
+            </a:fillRef>
+            <a:effectRef idx="0">
+              <a:schemeClr val="accent1"/>
+            </a:effectRef>
+            <a:fontRef idx="minor">
+              <a:schemeClr val="lt1"/>
+            </a:fontRef>
+          </p:style>
+          <p:txBody>
+            <a:bodyPr rtlCol="0" anchor="ctr"/>
+            <a:lstStyle/>
+            <a:p>
+              <a:pPr algn="ctr"/>
+              <a:endParaRPr lang="en-US"/>
+            </a:p>
+          </p:txBody>
+        </p:sp>
+        <p:sp>
+          <p:nvSpPr>
+            <p:cNvPr id="9" name="Rectangle: Rounded Corners 8">
+              <a:extLst>
+                <a:ext uri="{FF2B5EF4-FFF2-40B4-BE49-F238E27FC236}">
+                  <a16:creationId xmlns:a16="http://schemas.microsoft.com/office/drawing/2014/main" id="{636E1A83-B0D4-5DF9-27BE-1E5FE418E7F4}"/>
+                </a:ext>
+              </a:extLst>
+            </p:cNvPr>
+            <p:cNvSpPr/>
+            <p:nvPr/>
+          </p:nvSpPr>
+          <p:spPr>
+            <a:xfrm>
+              <a:off x="7533887" y="2445618"/>
+              <a:ext cx="376139" cy="237283"/>
+            </a:xfrm>
+            <a:prstGeom prst="roundRect">
+              <a:avLst/>
+            </a:prstGeom>
+            <a:solidFill>
+              <a:schemeClr val="tx1">
+                <a:lumMod val="85000"/>
+                <a:lumOff val="15000"/>
+              </a:schemeClr>
+            </a:solidFill>
+            <a:ln>
+              <a:solidFill>
+                <a:schemeClr val="tx1">
+                  <a:lumMod val="50000"/>
+                  <a:lumOff val="50000"/>
+                </a:schemeClr>
+              </a:solidFill>
+            </a:ln>
+          </p:spPr>
+          <p:style>
+            <a:lnRef idx="2">
+              <a:schemeClr val="accent1">
+                <a:shade val="15000"/>
+              </a:schemeClr>
+            </a:lnRef>
+            <a:fillRef idx="1">
+              <a:schemeClr val="accent1"/>
+            </a:fillRef>
+            <a:effectRef idx="0">
+              <a:schemeClr val="accent1"/>
+            </a:effectRef>
+            <a:fontRef idx="minor">
+              <a:schemeClr val="lt1"/>
+            </a:fontRef>
+          </p:style>
+          <p:txBody>
+            <a:bodyPr rtlCol="0" anchor="ctr"/>
+            <a:lstStyle/>
+            <a:p>
+              <a:pPr algn="ctr"/>
+              <a:endParaRPr lang="en-US"/>
+            </a:p>
+          </p:txBody>
+        </p:sp>
+      </p:grpSp>
+      <p:sp>
+        <p:nvSpPr>
+          <p:cNvPr id="19" name="Freeform: Shape 18">
+            <a:extLst>
+              <a:ext uri="{FF2B5EF4-FFF2-40B4-BE49-F238E27FC236}">
+                <a16:creationId xmlns:a16="http://schemas.microsoft.com/office/drawing/2014/main" id="{A9BFCA95-860E-7F8D-2FCE-71F1E2FBC0FC}"/>
+              </a:ext>
+            </a:extLst>
+          </p:cNvPr>
+          <p:cNvSpPr/>
+          <p:nvPr/>
+        </p:nvSpPr>
+        <p:spPr>
+          <a:xfrm>
+            <a:off x="4468632" y="2499504"/>
+            <a:ext cx="2957886" cy="792336"/>
+          </a:xfrm>
+          <a:custGeom>
+            <a:avLst/>
+            <a:gdLst>
+              <a:gd name="connsiteX0" fmla="*/ 2957886 w 2957886"/>
+              <a:gd name="connsiteY0" fmla="*/ 52865 h 792336"/>
+              <a:gd name="connsiteX1" fmla="*/ 1009816 w 2957886"/>
+              <a:gd name="connsiteY1" fmla="*/ 44913 h 792336"/>
+              <a:gd name="connsiteX2" fmla="*/ 1598213 w 2957886"/>
+              <a:gd name="connsiteY2" fmla="*/ 537894 h 792336"/>
+              <a:gd name="connsiteX3" fmla="*/ 0 w 2957886"/>
+              <a:gd name="connsiteY3" fmla="*/ 792336 h 792336"/>
+            </a:gdLst>
+            <a:ahLst/>
+            <a:cxnLst>
+              <a:cxn ang="0">
+                <a:pos x="connsiteX0" y="connsiteY0"/>
+              </a:cxn>
+              <a:cxn ang="0">
+                <a:pos x="connsiteX1" y="connsiteY1"/>
+              </a:cxn>
+              <a:cxn ang="0">
+                <a:pos x="connsiteX2" y="connsiteY2"/>
+              </a:cxn>
+              <a:cxn ang="0">
+                <a:pos x="connsiteX3" y="connsiteY3"/>
+              </a:cxn>
+            </a:cxnLst>
+            <a:rect l="l" t="t" r="r" b="b"/>
+            <a:pathLst>
+              <a:path w="2957886" h="792336">
+                <a:moveTo>
+                  <a:pt x="2957886" y="52865"/>
+                </a:moveTo>
+                <a:cubicBezTo>
+                  <a:pt x="2097157" y="8470"/>
+                  <a:pt x="1236428" y="-35925"/>
+                  <a:pt x="1009816" y="44913"/>
+                </a:cubicBezTo>
+                <a:cubicBezTo>
+                  <a:pt x="783204" y="125751"/>
+                  <a:pt x="1766516" y="413324"/>
+                  <a:pt x="1598213" y="537894"/>
+                </a:cubicBezTo>
+                <a:cubicBezTo>
+                  <a:pt x="1429910" y="662464"/>
+                  <a:pt x="714955" y="727400"/>
+                  <a:pt x="0" y="792336"/>
+                </a:cubicBezTo>
+              </a:path>
+            </a:pathLst>
+          </a:custGeom>
+          <a:noFill/>
+          <a:ln w="57150"/>
+        </p:spPr>
+        <p:style>
+          <a:lnRef idx="2">
+            <a:schemeClr val="accent1">
+              <a:shade val="15000"/>
+            </a:schemeClr>
+          </a:lnRef>
+          <a:fillRef idx="1">
+            <a:schemeClr val="accent1"/>
+          </a:fillRef>
+          <a:effectRef idx="0">
+            <a:schemeClr val="accent1"/>
+          </a:effectRef>
+          <a:fontRef idx="minor">
+            <a:schemeClr val="lt1"/>
+          </a:fontRef>
+        </p:style>
+        <p:txBody>
+          <a:bodyPr rtlCol="0" anchor="ctr"/>
+          <a:lstStyle/>
+          <a:p>
+            <a:pPr algn="ctr"/>
+            <a:endParaRPr lang="en-US"/>
+          </a:p>
+        </p:txBody>
+      </p:sp>
+      <p:pic>
+        <p:nvPicPr>
+          <p:cNvPr id="21" name="Graphic 20" descr="Laptop with solid fill">
+            <a:extLst>
+              <a:ext uri="{FF2B5EF4-FFF2-40B4-BE49-F238E27FC236}">
+                <a16:creationId xmlns:a16="http://schemas.microsoft.com/office/drawing/2014/main" id="{4F6CDD9C-B0B7-99EF-96CF-9BD65AD7C294}"/>
+              </a:ext>
+            </a:extLst>
+          </p:cNvPr>
+          <p:cNvPicPr>
+            <a:picLocks noChangeAspect="1"/>
+          </p:cNvPicPr>
+          <p:nvPr/>
+        </p:nvPicPr>
+        <p:blipFill>
+          <a:blip r:embed="rId5">
+            <a:extLst>
+              <a:ext uri="{28A0092B-C50C-407E-A947-70E740481C1C}">
+                <a14:useLocalDpi xmlns:a14="http://schemas.microsoft.com/office/drawing/2010/main" val="0"/>
+              </a:ext>
+              <a:ext uri="{96DAC541-7B7A-43D3-8B79-37D633B846F1}">
+                <asvg:svgBlip xmlns:asvg="http://schemas.microsoft.com/office/drawing/2016/SVG/main" r:embed="rId6"/>
+              </a:ext>
+            </a:extLst>
+          </a:blip>
+          <a:stretch>
+            <a:fillRect/>
+          </a:stretch>
+        </p:blipFill>
+        <p:spPr>
+          <a:xfrm>
+            <a:off x="7455586" y="409589"/>
+            <a:ext cx="4530721" cy="4530721"/>
+          </a:xfrm>
+          <a:prstGeom prst="rect">
+            <a:avLst/>
+          </a:prstGeom>
+        </p:spPr>
+      </p:pic>
+      <p:pic>
+        <p:nvPicPr>
+          <p:cNvPr id="3074" name="Picture 2" descr="TTL Signal">
+            <a:extLst>
+              <a:ext uri="{FF2B5EF4-FFF2-40B4-BE49-F238E27FC236}">
+                <a16:creationId xmlns:a16="http://schemas.microsoft.com/office/drawing/2014/main" id="{0BE7C0AE-DF72-B965-71F3-130A4EA533E6}"/>
+              </a:ext>
+            </a:extLst>
+          </p:cNvPr>
+          <p:cNvPicPr>
+            <a:picLocks noChangeAspect="1" noChangeArrowheads="1"/>
+          </p:cNvPicPr>
+          <p:nvPr/>
+        </p:nvPicPr>
+        <p:blipFill>
+          <a:blip r:embed="rId7">
+            <a:extLst>
+              <a:ext uri="{28A0092B-C50C-407E-A947-70E740481C1C}">
+                <a14:useLocalDpi xmlns:a14="http://schemas.microsoft.com/office/drawing/2010/main" val="0"/>
+              </a:ext>
+            </a:extLst>
+          </a:blip>
+          <a:srcRect/>
+          <a:stretch>
+            <a:fillRect/>
+          </a:stretch>
+        </p:blipFill>
+        <p:spPr bwMode="auto">
+          <a:xfrm>
+            <a:off x="4765387" y="3428525"/>
+            <a:ext cx="2603427" cy="472956"/>
+          </a:xfrm>
+          <a:prstGeom prst="rect">
+            <a:avLst/>
+          </a:prstGeom>
+          <a:noFill/>
+          <a:extLst>
+            <a:ext uri="{909E8E84-426E-40DD-AFC4-6F175D3DCCD1}">
+              <a14:hiddenFill xmlns:a14="http://schemas.microsoft.com/office/drawing/2010/main">
+                <a:solidFill>
+                  <a:srgbClr val="FFFFFF"/>
+                </a:solidFill>
+              </a14:hiddenFill>
+            </a:ext>
+          </a:extLst>
+        </p:spPr>
+      </p:pic>
+      <p:grpSp>
+        <p:nvGrpSpPr>
+          <p:cNvPr id="24" name="Group 23">
+            <a:extLst>
+              <a:ext uri="{FF2B5EF4-FFF2-40B4-BE49-F238E27FC236}">
+                <a16:creationId xmlns:a16="http://schemas.microsoft.com/office/drawing/2014/main" id="{13CBBA00-96F2-C33B-A0EC-1795FAE562F4}"/>
+              </a:ext>
+            </a:extLst>
+          </p:cNvPr>
+          <p:cNvGrpSpPr/>
+          <p:nvPr/>
+        </p:nvGrpSpPr>
+        <p:grpSpPr>
+          <a:xfrm>
+            <a:off x="3942633" y="3115043"/>
+            <a:ext cx="617722" cy="389683"/>
+            <a:chOff x="7413095" y="2369419"/>
+            <a:chExt cx="617722" cy="389683"/>
+          </a:xfrm>
+        </p:grpSpPr>
+        <p:sp>
+          <p:nvSpPr>
+            <p:cNvPr id="25" name="Rectangle: Rounded Corners 24">
+              <a:extLst>
+                <a:ext uri="{FF2B5EF4-FFF2-40B4-BE49-F238E27FC236}">
+                  <a16:creationId xmlns:a16="http://schemas.microsoft.com/office/drawing/2014/main" id="{09B5A694-755F-EC73-9758-A04E87166F34}"/>
+                </a:ext>
+              </a:extLst>
+            </p:cNvPr>
+            <p:cNvSpPr/>
+            <p:nvPr/>
+          </p:nvSpPr>
+          <p:spPr>
+            <a:xfrm>
+              <a:off x="7413095" y="2369419"/>
+              <a:ext cx="617722" cy="389683"/>
+            </a:xfrm>
+            <a:prstGeom prst="roundRect">
+              <a:avLst/>
+            </a:prstGeom>
+            <a:solidFill>
+              <a:schemeClr val="tx1">
+                <a:lumMod val="85000"/>
+                <a:lumOff val="15000"/>
+              </a:schemeClr>
+            </a:solidFill>
+            <a:ln>
+              <a:solidFill>
+                <a:schemeClr val="tx1">
+                  <a:lumMod val="50000"/>
+                  <a:lumOff val="50000"/>
+                </a:schemeClr>
+              </a:solidFill>
+            </a:ln>
+          </p:spPr>
+          <p:style>
+            <a:lnRef idx="2">
+              <a:schemeClr val="accent1">
+                <a:shade val="15000"/>
+              </a:schemeClr>
+            </a:lnRef>
+            <a:fillRef idx="1">
+              <a:schemeClr val="accent1"/>
+            </a:fillRef>
+            <a:effectRef idx="0">
+              <a:schemeClr val="accent1"/>
+            </a:effectRef>
+            <a:fontRef idx="minor">
+              <a:schemeClr val="lt1"/>
+            </a:fontRef>
+          </p:style>
+          <p:txBody>
+            <a:bodyPr rtlCol="0" anchor="ctr"/>
+            <a:lstStyle/>
+            <a:p>
+              <a:pPr algn="ctr"/>
+              <a:endParaRPr lang="en-US"/>
+            </a:p>
+          </p:txBody>
+        </p:sp>
+        <p:sp>
+          <p:nvSpPr>
+            <p:cNvPr id="26" name="Rectangle: Rounded Corners 25">
+              <a:extLst>
+                <a:ext uri="{FF2B5EF4-FFF2-40B4-BE49-F238E27FC236}">
+                  <a16:creationId xmlns:a16="http://schemas.microsoft.com/office/drawing/2014/main" id="{9297927A-E3B0-139D-A2BB-CB3246C24206}"/>
+                </a:ext>
+              </a:extLst>
+            </p:cNvPr>
+            <p:cNvSpPr/>
+            <p:nvPr/>
+          </p:nvSpPr>
+          <p:spPr>
+            <a:xfrm>
+              <a:off x="7533887" y="2445618"/>
+              <a:ext cx="376139" cy="237283"/>
+            </a:xfrm>
+            <a:prstGeom prst="roundRect">
+              <a:avLst/>
+            </a:prstGeom>
+            <a:solidFill>
+              <a:schemeClr val="tx1">
+                <a:lumMod val="85000"/>
+                <a:lumOff val="15000"/>
+              </a:schemeClr>
+            </a:solidFill>
+            <a:ln>
+              <a:solidFill>
+                <a:schemeClr val="tx1">
+                  <a:lumMod val="50000"/>
+                  <a:lumOff val="50000"/>
+                </a:schemeClr>
+              </a:solidFill>
+            </a:ln>
+          </p:spPr>
+          <p:style>
+            <a:lnRef idx="2">
+              <a:schemeClr val="accent1">
+                <a:shade val="15000"/>
+              </a:schemeClr>
+            </a:lnRef>
+            <a:fillRef idx="1">
+              <a:schemeClr val="accent1"/>
+            </a:fillRef>
+            <a:effectRef idx="0">
+              <a:schemeClr val="accent1"/>
+            </a:effectRef>
+            <a:fontRef idx="minor">
+              <a:schemeClr val="lt1"/>
+            </a:fontRef>
+          </p:style>
+          <p:txBody>
+            <a:bodyPr rtlCol="0" anchor="ctr"/>
+            <a:lstStyle/>
+            <a:p>
+              <a:pPr algn="ctr"/>
+              <a:endParaRPr lang="en-US"/>
+            </a:p>
+          </p:txBody>
+        </p:sp>
+      </p:grpSp>
+      <p:sp>
+        <p:nvSpPr>
+          <p:cNvPr id="27" name="TextBox 26">
+            <a:extLst>
+              <a:ext uri="{FF2B5EF4-FFF2-40B4-BE49-F238E27FC236}">
+                <a16:creationId xmlns:a16="http://schemas.microsoft.com/office/drawing/2014/main" id="{382B1DF9-96D3-26A4-4F96-27B8CADB3B91}"/>
+              </a:ext>
+            </a:extLst>
+          </p:cNvPr>
+          <p:cNvSpPr txBox="1"/>
+          <p:nvPr/>
+        </p:nvSpPr>
+        <p:spPr>
+          <a:xfrm>
+            <a:off x="1121133" y="1556069"/>
+            <a:ext cx="4365267" cy="369332"/>
+          </a:xfrm>
+          <a:prstGeom prst="rect">
+            <a:avLst/>
+          </a:prstGeom>
+          <a:noFill/>
+        </p:spPr>
+        <p:txBody>
+          <a:bodyPr wrap="square" rtlCol="0">
+            <a:spAutoFit/>
+          </a:bodyPr>
+          <a:lstStyle/>
+          <a:p>
+            <a:r>
+              <a:rPr lang="en-US" b="1" dirty="0" err="1">
+                <a:latin typeface="Courier New" panose="02070309020205020404" pitchFamily="49" charset="0"/>
+                <a:cs typeface="Courier New" panose="02070309020205020404" pitchFamily="49" charset="0"/>
+              </a:rPr>
+              <a:t>Serial.println</a:t>
+            </a:r>
+            <a:r>
+              <a:rPr lang="en-US" b="1" dirty="0">
+                <a:latin typeface="Courier New" panose="02070309020205020404" pitchFamily="49" charset="0"/>
+                <a:cs typeface="Courier New" panose="02070309020205020404" pitchFamily="49" charset="0"/>
+              </a:rPr>
+              <a:t>(“Hello World”)</a:t>
+            </a:r>
+          </a:p>
+        </p:txBody>
+      </p:sp>
+      <p:sp>
+        <p:nvSpPr>
+          <p:cNvPr id="2" name="TextBox 1">
+            <a:extLst>
+              <a:ext uri="{FF2B5EF4-FFF2-40B4-BE49-F238E27FC236}">
+                <a16:creationId xmlns:a16="http://schemas.microsoft.com/office/drawing/2014/main" id="{45CAD95F-B822-D504-5304-99AA48D499CD}"/>
+              </a:ext>
+            </a:extLst>
+          </p:cNvPr>
+          <p:cNvSpPr txBox="1"/>
+          <p:nvPr/>
+        </p:nvSpPr>
+        <p:spPr>
+          <a:xfrm>
+            <a:off x="8373680" y="1708931"/>
+            <a:ext cx="1947111" cy="369332"/>
+          </a:xfrm>
+          <a:prstGeom prst="rect">
+            <a:avLst/>
+          </a:prstGeom>
+          <a:noFill/>
+        </p:spPr>
+        <p:txBody>
+          <a:bodyPr wrap="square" rtlCol="0">
+            <a:spAutoFit/>
+          </a:bodyPr>
+          <a:lstStyle/>
+          <a:p>
+            <a:r>
+              <a:rPr lang="en-US" b="1" dirty="0">
+                <a:latin typeface="Courier New" panose="02070309020205020404" pitchFamily="49" charset="0"/>
+                <a:cs typeface="Courier New" panose="02070309020205020404" pitchFamily="49" charset="0"/>
+              </a:rPr>
+              <a:t>Hello World!</a:t>
+            </a:r>
+          </a:p>
+        </p:txBody>
+      </p:sp>
+      <p:sp>
+        <p:nvSpPr>
+          <p:cNvPr id="3" name="Arrow: Down 2">
+            <a:extLst>
+              <a:ext uri="{FF2B5EF4-FFF2-40B4-BE49-F238E27FC236}">
+                <a16:creationId xmlns:a16="http://schemas.microsoft.com/office/drawing/2014/main" id="{1CCD39C8-48CB-5D31-431D-F70B3DE8C4BA}"/>
+              </a:ext>
+            </a:extLst>
+          </p:cNvPr>
+          <p:cNvSpPr/>
+          <p:nvPr/>
+        </p:nvSpPr>
+        <p:spPr>
+          <a:xfrm rot="16200000">
+            <a:off x="5834829" y="1318407"/>
+            <a:ext cx="369331" cy="781049"/>
+          </a:xfrm>
+          <a:prstGeom prst="downArrow">
+            <a:avLst/>
+          </a:prstGeom>
+          <a:solidFill>
+            <a:schemeClr val="tx1">
+              <a:lumMod val="85000"/>
+              <a:lumOff val="15000"/>
+            </a:schemeClr>
+          </a:solidFill>
+          <a:ln>
+            <a:solidFill>
+              <a:schemeClr val="tx1">
+                <a:lumMod val="65000"/>
+                <a:lumOff val="35000"/>
+              </a:schemeClr>
+            </a:solidFill>
+          </a:ln>
+        </p:spPr>
+        <p:style>
+          <a:lnRef idx="2">
+            <a:schemeClr val="accent1">
+              <a:shade val="15000"/>
+            </a:schemeClr>
+          </a:lnRef>
+          <a:fillRef idx="1">
+            <a:schemeClr val="accent1"/>
+          </a:fillRef>
+          <a:effectRef idx="0">
+            <a:schemeClr val="accent1"/>
+          </a:effectRef>
+          <a:fontRef idx="minor">
+            <a:schemeClr val="lt1"/>
+          </a:fontRef>
+        </p:style>
+        <p:txBody>
+          <a:bodyPr rtlCol="0" anchor="ctr"/>
+          <a:lstStyle/>
+          <a:p>
+            <a:pPr algn="ctr"/>
+            <a:endParaRPr lang="en-US"/>
+          </a:p>
+        </p:txBody>
+      </p:sp>
+    </p:spTree>
+    <p:extLst>
+      <p:ext uri="{BB962C8B-B14F-4D97-AF65-F5344CB8AC3E}">
+        <p14:creationId xmlns:p14="http://schemas.microsoft.com/office/powerpoint/2010/main" val="986246501"/>
+      </p:ext>
+    </p:extLst>
+  </p:cSld>
+  <p:clrMapOvr>
+    <a:masterClrMapping/>
+  </p:clrMapOvr>
+</p:sld>
+</file>
+
+<file path=ppt/slides/slide6.xml><?xml version="1.0" encoding="utf-8"?>
+<p:sld xmlns:a="http://schemas.openxmlformats.org/drawingml/2006/main" xmlns:r="http://schemas.openxmlformats.org/officeDocument/2006/relationships" xmlns:p="http://schemas.openxmlformats.org/presentationml/2006/main">
+  <p:cSld>
+    <p:bg>
+      <p:bgPr>
+        <a:solidFill>
+          <a:srgbClr val="F4F6F7"/>
+        </a:solidFill>
+        <a:effectLst/>
+      </p:bgPr>
+    </p:bg>
+    <p:spTree>
+      <p:nvGrpSpPr>
+        <p:cNvPr id="1" name=""/>
+        <p:cNvGrpSpPr/>
+        <p:nvPr/>
+      </p:nvGrpSpPr>
+      <p:grpSpPr>
+        <a:xfrm>
+          <a:off x="0" y="0"/>
+          <a:ext cx="0" cy="0"/>
+          <a:chOff x="0" y="0"/>
+          <a:chExt cx="0" cy="0"/>
+        </a:xfrm>
+      </p:grpSpPr>
+      <p:pic>
+        <p:nvPicPr>
+          <p:cNvPr id="4" name="Picture 3">
+            <a:extLst>
+              <a:ext uri="{FF2B5EF4-FFF2-40B4-BE49-F238E27FC236}">
+                <a16:creationId xmlns:a16="http://schemas.microsoft.com/office/drawing/2014/main" id="{033AC1A6-A120-F5F1-7751-85922266C315}"/>
+              </a:ext>
+            </a:extLst>
+          </p:cNvPr>
+          <p:cNvPicPr>
+            <a:picLocks noChangeAspect="1"/>
+          </p:cNvPicPr>
+          <p:nvPr/>
+        </p:nvPicPr>
+        <p:blipFill rotWithShape="1">
+          <a:blip r:embed="rId2"/>
+          <a:srcRect l="7434" t="35700" r="45176"/>
+          <a:stretch/>
+        </p:blipFill>
+        <p:spPr>
+          <a:xfrm>
+            <a:off x="588038" y="1779390"/>
+            <a:ext cx="3386424" cy="2503707"/>
+          </a:xfrm>
+          <a:prstGeom prst="rect">
+            <a:avLst/>
+          </a:prstGeom>
+        </p:spPr>
+      </p:pic>
+      <p:grpSp>
+        <p:nvGrpSpPr>
+          <p:cNvPr id="5" name="Group 4">
+            <a:extLst>
+              <a:ext uri="{FF2B5EF4-FFF2-40B4-BE49-F238E27FC236}">
+                <a16:creationId xmlns:a16="http://schemas.microsoft.com/office/drawing/2014/main" id="{011F5906-7688-AF1B-8274-827937D180AE}"/>
+              </a:ext>
+            </a:extLst>
+          </p:cNvPr>
+          <p:cNvGrpSpPr/>
+          <p:nvPr/>
+        </p:nvGrpSpPr>
+        <p:grpSpPr>
+          <a:xfrm>
+            <a:off x="2661739" y="-2762607"/>
+            <a:ext cx="8770289" cy="2882085"/>
+            <a:chOff x="0" y="1464939"/>
+            <a:chExt cx="12518699" cy="4113885"/>
+          </a:xfrm>
+        </p:grpSpPr>
+        <p:pic>
+          <p:nvPicPr>
+            <p:cNvPr id="6" name="Picture 5">
+              <a:extLst>
+                <a:ext uri="{FF2B5EF4-FFF2-40B4-BE49-F238E27FC236}">
+                  <a16:creationId xmlns:a16="http://schemas.microsoft.com/office/drawing/2014/main" id="{FB345465-F94F-B1C0-36AC-4888AD1A461F}"/>
+                </a:ext>
+              </a:extLst>
+            </p:cNvPr>
+            <p:cNvPicPr>
+              <a:picLocks noChangeAspect="1"/>
+            </p:cNvPicPr>
+            <p:nvPr/>
+          </p:nvPicPr>
+          <p:blipFill>
+            <a:blip r:embed="rId3"/>
+            <a:stretch>
+              <a:fillRect/>
+            </a:stretch>
+          </p:blipFill>
+          <p:spPr>
+            <a:xfrm>
+              <a:off x="0" y="1464939"/>
+              <a:ext cx="12192000" cy="3928122"/>
+            </a:xfrm>
+            <a:prstGeom prst="rect">
+              <a:avLst/>
+            </a:prstGeom>
+          </p:spPr>
+        </p:pic>
+        <p:pic>
+          <p:nvPicPr>
+            <p:cNvPr id="7" name="Picture 6">
+              <a:extLst>
+                <a:ext uri="{FF2B5EF4-FFF2-40B4-BE49-F238E27FC236}">
+                  <a16:creationId xmlns:a16="http://schemas.microsoft.com/office/drawing/2014/main" id="{C0A91371-FB72-09EE-D789-CB11E8585826}"/>
+                </a:ext>
+              </a:extLst>
+            </p:cNvPr>
+            <p:cNvPicPr>
+              <a:picLocks noChangeAspect="1"/>
+            </p:cNvPicPr>
+            <p:nvPr/>
+          </p:nvPicPr>
+          <p:blipFill>
+            <a:blip r:embed="rId4"/>
+            <a:stretch>
+              <a:fillRect/>
+            </a:stretch>
+          </p:blipFill>
+          <p:spPr>
+            <a:xfrm>
+              <a:off x="12061435" y="5207297"/>
+              <a:ext cx="457264" cy="371527"/>
+            </a:xfrm>
+            <a:prstGeom prst="rect">
+              <a:avLst/>
+            </a:prstGeom>
+          </p:spPr>
+        </p:pic>
+      </p:grpSp>
+      <p:grpSp>
+        <p:nvGrpSpPr>
+          <p:cNvPr id="10" name="Group 9">
+            <a:extLst>
+              <a:ext uri="{FF2B5EF4-FFF2-40B4-BE49-F238E27FC236}">
+                <a16:creationId xmlns:a16="http://schemas.microsoft.com/office/drawing/2014/main" id="{2091BEFD-6730-54C9-D803-AC67CCBF6D75}"/>
+              </a:ext>
+            </a:extLst>
+          </p:cNvPr>
+          <p:cNvGrpSpPr/>
+          <p:nvPr/>
+        </p:nvGrpSpPr>
+        <p:grpSpPr>
+          <a:xfrm>
+            <a:off x="7484654" y="2289909"/>
+            <a:ext cx="617722" cy="389683"/>
+            <a:chOff x="7413095" y="2369419"/>
+            <a:chExt cx="617722" cy="389683"/>
+          </a:xfrm>
+        </p:grpSpPr>
+        <p:sp>
+          <p:nvSpPr>
+            <p:cNvPr id="8" name="Rectangle: Rounded Corners 7">
+              <a:extLst>
+                <a:ext uri="{FF2B5EF4-FFF2-40B4-BE49-F238E27FC236}">
+                  <a16:creationId xmlns:a16="http://schemas.microsoft.com/office/drawing/2014/main" id="{23939933-B9EC-4382-D2DE-96E3984A9861}"/>
+                </a:ext>
+              </a:extLst>
+            </p:cNvPr>
+            <p:cNvSpPr/>
+            <p:nvPr/>
+          </p:nvSpPr>
+          <p:spPr>
+            <a:xfrm>
+              <a:off x="7413095" y="2369419"/>
+              <a:ext cx="617722" cy="389683"/>
+            </a:xfrm>
+            <a:prstGeom prst="roundRect">
+              <a:avLst/>
+            </a:prstGeom>
+            <a:solidFill>
+              <a:schemeClr val="tx1">
+                <a:lumMod val="85000"/>
+                <a:lumOff val="15000"/>
+              </a:schemeClr>
+            </a:solidFill>
+            <a:ln>
+              <a:solidFill>
+                <a:schemeClr val="tx1">
+                  <a:lumMod val="50000"/>
+                  <a:lumOff val="50000"/>
+                </a:schemeClr>
+              </a:solidFill>
+            </a:ln>
+          </p:spPr>
+          <p:style>
+            <a:lnRef idx="2">
+              <a:schemeClr val="accent1">
+                <a:shade val="15000"/>
+              </a:schemeClr>
+            </a:lnRef>
+            <a:fillRef idx="1">
+              <a:schemeClr val="accent1"/>
+            </a:fillRef>
+            <a:effectRef idx="0">
+              <a:schemeClr val="accent1"/>
+            </a:effectRef>
+            <a:fontRef idx="minor">
+              <a:schemeClr val="lt1"/>
+            </a:fontRef>
+          </p:style>
+          <p:txBody>
+            <a:bodyPr rtlCol="0" anchor="ctr"/>
+            <a:lstStyle/>
+            <a:p>
+              <a:pPr algn="ctr"/>
+              <a:endParaRPr lang="en-US"/>
+            </a:p>
+          </p:txBody>
+        </p:sp>
+        <p:sp>
+          <p:nvSpPr>
+            <p:cNvPr id="9" name="Rectangle: Rounded Corners 8">
+              <a:extLst>
+                <a:ext uri="{FF2B5EF4-FFF2-40B4-BE49-F238E27FC236}">
+                  <a16:creationId xmlns:a16="http://schemas.microsoft.com/office/drawing/2014/main" id="{636E1A83-B0D4-5DF9-27BE-1E5FE418E7F4}"/>
+                </a:ext>
+              </a:extLst>
+            </p:cNvPr>
+            <p:cNvSpPr/>
+            <p:nvPr/>
+          </p:nvSpPr>
+          <p:spPr>
+            <a:xfrm>
+              <a:off x="7533887" y="2445618"/>
+              <a:ext cx="376139" cy="237283"/>
+            </a:xfrm>
+            <a:prstGeom prst="roundRect">
+              <a:avLst/>
+            </a:prstGeom>
+            <a:solidFill>
+              <a:schemeClr val="tx1">
+                <a:lumMod val="85000"/>
+                <a:lumOff val="15000"/>
+              </a:schemeClr>
+            </a:solidFill>
+            <a:ln>
+              <a:solidFill>
+                <a:schemeClr val="tx1">
+                  <a:lumMod val="50000"/>
+                  <a:lumOff val="50000"/>
+                </a:schemeClr>
+              </a:solidFill>
+            </a:ln>
+          </p:spPr>
+          <p:style>
+            <a:lnRef idx="2">
+              <a:schemeClr val="accent1">
+                <a:shade val="15000"/>
+              </a:schemeClr>
+            </a:lnRef>
+            <a:fillRef idx="1">
+              <a:schemeClr val="accent1"/>
+            </a:fillRef>
+            <a:effectRef idx="0">
+              <a:schemeClr val="accent1"/>
+            </a:effectRef>
+            <a:fontRef idx="minor">
+              <a:schemeClr val="lt1"/>
+            </a:fontRef>
+          </p:style>
+          <p:txBody>
+            <a:bodyPr rtlCol="0" anchor="ctr"/>
+            <a:lstStyle/>
+            <a:p>
+              <a:pPr algn="ctr"/>
+              <a:endParaRPr lang="en-US"/>
+            </a:p>
+          </p:txBody>
+        </p:sp>
+      </p:grpSp>
+      <p:sp>
+        <p:nvSpPr>
+          <p:cNvPr id="19" name="Freeform: Shape 18">
+            <a:extLst>
+              <a:ext uri="{FF2B5EF4-FFF2-40B4-BE49-F238E27FC236}">
+                <a16:creationId xmlns:a16="http://schemas.microsoft.com/office/drawing/2014/main" id="{A9BFCA95-860E-7F8D-2FCE-71F1E2FBC0FC}"/>
+              </a:ext>
+            </a:extLst>
+          </p:cNvPr>
+          <p:cNvSpPr/>
+          <p:nvPr/>
+        </p:nvSpPr>
+        <p:spPr>
+          <a:xfrm>
+            <a:off x="4468632" y="2468366"/>
+            <a:ext cx="3016022" cy="823473"/>
+          </a:xfrm>
+          <a:custGeom>
+            <a:avLst/>
+            <a:gdLst>
+              <a:gd name="connsiteX0" fmla="*/ 2957886 w 2957886"/>
+              <a:gd name="connsiteY0" fmla="*/ 52865 h 792336"/>
+              <a:gd name="connsiteX1" fmla="*/ 1009816 w 2957886"/>
+              <a:gd name="connsiteY1" fmla="*/ 44913 h 792336"/>
+              <a:gd name="connsiteX2" fmla="*/ 1598213 w 2957886"/>
+              <a:gd name="connsiteY2" fmla="*/ 537894 h 792336"/>
+              <a:gd name="connsiteX3" fmla="*/ 0 w 2957886"/>
+              <a:gd name="connsiteY3" fmla="*/ 792336 h 792336"/>
+              <a:gd name="connsiteX0" fmla="*/ 2981740 w 2981740"/>
+              <a:gd name="connsiteY0" fmla="*/ 28343 h 823473"/>
+              <a:gd name="connsiteX1" fmla="*/ 1009816 w 2981740"/>
+              <a:gd name="connsiteY1" fmla="*/ 76050 h 823473"/>
+              <a:gd name="connsiteX2" fmla="*/ 1598213 w 2981740"/>
+              <a:gd name="connsiteY2" fmla="*/ 569031 h 823473"/>
+              <a:gd name="connsiteX3" fmla="*/ 0 w 2981740"/>
+              <a:gd name="connsiteY3" fmla="*/ 823473 h 823473"/>
+            </a:gdLst>
+            <a:ahLst/>
+            <a:cxnLst>
+              <a:cxn ang="0">
+                <a:pos x="connsiteX0" y="connsiteY0"/>
+              </a:cxn>
+              <a:cxn ang="0">
+                <a:pos x="connsiteX1" y="connsiteY1"/>
+              </a:cxn>
+              <a:cxn ang="0">
+                <a:pos x="connsiteX2" y="connsiteY2"/>
+              </a:cxn>
+              <a:cxn ang="0">
+                <a:pos x="connsiteX3" y="connsiteY3"/>
+              </a:cxn>
+            </a:cxnLst>
+            <a:rect l="l" t="t" r="r" b="b"/>
+            <a:pathLst>
+              <a:path w="2981740" h="823473">
+                <a:moveTo>
+                  <a:pt x="2981740" y="28343"/>
+                </a:moveTo>
+                <a:cubicBezTo>
+                  <a:pt x="2121011" y="-16052"/>
+                  <a:pt x="1240404" y="-14065"/>
+                  <a:pt x="1009816" y="76050"/>
+                </a:cubicBezTo>
+                <a:cubicBezTo>
+                  <a:pt x="779228" y="166165"/>
+                  <a:pt x="1766516" y="444461"/>
+                  <a:pt x="1598213" y="569031"/>
+                </a:cubicBezTo>
+                <a:cubicBezTo>
+                  <a:pt x="1429910" y="693601"/>
+                  <a:pt x="714955" y="758537"/>
+                  <a:pt x="0" y="823473"/>
+                </a:cubicBezTo>
+              </a:path>
+            </a:pathLst>
+          </a:custGeom>
+          <a:noFill/>
+          <a:ln w="57150"/>
+        </p:spPr>
+        <p:style>
+          <a:lnRef idx="2">
+            <a:schemeClr val="accent1">
+              <a:shade val="15000"/>
+            </a:schemeClr>
+          </a:lnRef>
+          <a:fillRef idx="1">
+            <a:schemeClr val="accent1"/>
+          </a:fillRef>
+          <a:effectRef idx="0">
+            <a:schemeClr val="accent1"/>
+          </a:effectRef>
+          <a:fontRef idx="minor">
+            <a:schemeClr val="lt1"/>
+          </a:fontRef>
+        </p:style>
+        <p:txBody>
+          <a:bodyPr rtlCol="0" anchor="ctr"/>
+          <a:lstStyle/>
+          <a:p>
+            <a:pPr algn="ctr"/>
+            <a:endParaRPr lang="en-US"/>
+          </a:p>
+        </p:txBody>
+      </p:sp>
+      <p:pic>
+        <p:nvPicPr>
+          <p:cNvPr id="21" name="Graphic 20" descr="Laptop with solid fill">
+            <a:extLst>
+              <a:ext uri="{FF2B5EF4-FFF2-40B4-BE49-F238E27FC236}">
+                <a16:creationId xmlns:a16="http://schemas.microsoft.com/office/drawing/2014/main" id="{4F6CDD9C-B0B7-99EF-96CF-9BD65AD7C294}"/>
+              </a:ext>
+            </a:extLst>
+          </p:cNvPr>
+          <p:cNvPicPr>
+            <a:picLocks noChangeAspect="1"/>
+          </p:cNvPicPr>
+          <p:nvPr/>
+        </p:nvPicPr>
+        <p:blipFill>
+          <a:blip r:embed="rId5">
+            <a:extLst>
+              <a:ext uri="{28A0092B-C50C-407E-A947-70E740481C1C}">
+                <a14:useLocalDpi xmlns:a14="http://schemas.microsoft.com/office/drawing/2010/main" val="0"/>
+              </a:ext>
+              <a:ext uri="{96DAC541-7B7A-43D3-8B79-37D633B846F1}">
+                <asvg:svgBlip xmlns:asvg="http://schemas.microsoft.com/office/drawing/2016/SVG/main" r:embed="rId6"/>
+              </a:ext>
+            </a:extLst>
+          </a:blip>
+          <a:stretch>
+            <a:fillRect/>
+          </a:stretch>
+        </p:blipFill>
+        <p:spPr>
+          <a:xfrm>
+            <a:off x="7455586" y="409589"/>
+            <a:ext cx="4530721" cy="4530721"/>
+          </a:xfrm>
+          <a:prstGeom prst="rect">
+            <a:avLst/>
+          </a:prstGeom>
+        </p:spPr>
+      </p:pic>
+      <p:pic>
+        <p:nvPicPr>
+          <p:cNvPr id="3074" name="Picture 2" descr="TTL Signal">
+            <a:extLst>
+              <a:ext uri="{FF2B5EF4-FFF2-40B4-BE49-F238E27FC236}">
+                <a16:creationId xmlns:a16="http://schemas.microsoft.com/office/drawing/2014/main" id="{0BE7C0AE-DF72-B965-71F3-130A4EA533E6}"/>
+              </a:ext>
+            </a:extLst>
+          </p:cNvPr>
+          <p:cNvPicPr>
+            <a:picLocks noChangeAspect="1" noChangeArrowheads="1"/>
+          </p:cNvPicPr>
+          <p:nvPr/>
+        </p:nvPicPr>
+        <p:blipFill>
+          <a:blip r:embed="rId7">
+            <a:extLst>
+              <a:ext uri="{28A0092B-C50C-407E-A947-70E740481C1C}">
+                <a14:useLocalDpi xmlns:a14="http://schemas.microsoft.com/office/drawing/2010/main" val="0"/>
+              </a:ext>
+            </a:extLst>
+          </a:blip>
+          <a:srcRect/>
+          <a:stretch>
+            <a:fillRect/>
+          </a:stretch>
+        </p:blipFill>
+        <p:spPr bwMode="auto">
+          <a:xfrm>
+            <a:off x="4765387" y="3428525"/>
+            <a:ext cx="2603427" cy="472956"/>
+          </a:xfrm>
+          <a:prstGeom prst="rect">
+            <a:avLst/>
+          </a:prstGeom>
+          <a:noFill/>
+          <a:extLst>
+            <a:ext uri="{909E8E84-426E-40DD-AFC4-6F175D3DCCD1}">
+              <a14:hiddenFill xmlns:a14="http://schemas.microsoft.com/office/drawing/2010/main">
+                <a:solidFill>
+                  <a:srgbClr val="FFFFFF"/>
+                </a:solidFill>
+              </a14:hiddenFill>
+            </a:ext>
+          </a:extLst>
+        </p:spPr>
+      </p:pic>
+      <p:grpSp>
+        <p:nvGrpSpPr>
+          <p:cNvPr id="24" name="Group 23">
+            <a:extLst>
+              <a:ext uri="{FF2B5EF4-FFF2-40B4-BE49-F238E27FC236}">
+                <a16:creationId xmlns:a16="http://schemas.microsoft.com/office/drawing/2014/main" id="{13CBBA00-96F2-C33B-A0EC-1795FAE562F4}"/>
+              </a:ext>
+            </a:extLst>
+          </p:cNvPr>
+          <p:cNvGrpSpPr/>
+          <p:nvPr/>
+        </p:nvGrpSpPr>
+        <p:grpSpPr>
+          <a:xfrm>
+            <a:off x="3942633" y="3115043"/>
+            <a:ext cx="617722" cy="389683"/>
+            <a:chOff x="7413095" y="2369419"/>
+            <a:chExt cx="617722" cy="389683"/>
+          </a:xfrm>
+        </p:grpSpPr>
+        <p:sp>
+          <p:nvSpPr>
+            <p:cNvPr id="25" name="Rectangle: Rounded Corners 24">
+              <a:extLst>
+                <a:ext uri="{FF2B5EF4-FFF2-40B4-BE49-F238E27FC236}">
+                  <a16:creationId xmlns:a16="http://schemas.microsoft.com/office/drawing/2014/main" id="{09B5A694-755F-EC73-9758-A04E87166F34}"/>
+                </a:ext>
+              </a:extLst>
+            </p:cNvPr>
+            <p:cNvSpPr/>
+            <p:nvPr/>
+          </p:nvSpPr>
+          <p:spPr>
+            <a:xfrm>
+              <a:off x="7413095" y="2369419"/>
+              <a:ext cx="617722" cy="389683"/>
+            </a:xfrm>
+            <a:prstGeom prst="roundRect">
+              <a:avLst/>
+            </a:prstGeom>
+            <a:solidFill>
+              <a:schemeClr val="tx1">
+                <a:lumMod val="85000"/>
+                <a:lumOff val="15000"/>
+              </a:schemeClr>
+            </a:solidFill>
+            <a:ln>
+              <a:solidFill>
+                <a:schemeClr val="tx1">
+                  <a:lumMod val="50000"/>
+                  <a:lumOff val="50000"/>
+                </a:schemeClr>
+              </a:solidFill>
+            </a:ln>
+          </p:spPr>
+          <p:style>
+            <a:lnRef idx="2">
+              <a:schemeClr val="accent1">
+                <a:shade val="15000"/>
+              </a:schemeClr>
+            </a:lnRef>
+            <a:fillRef idx="1">
+              <a:schemeClr val="accent1"/>
+            </a:fillRef>
+            <a:effectRef idx="0">
+              <a:schemeClr val="accent1"/>
+            </a:effectRef>
+            <a:fontRef idx="minor">
+              <a:schemeClr val="lt1"/>
+            </a:fontRef>
+          </p:style>
+          <p:txBody>
+            <a:bodyPr rtlCol="0" anchor="ctr"/>
+            <a:lstStyle/>
+            <a:p>
+              <a:pPr algn="ctr"/>
+              <a:endParaRPr lang="en-US"/>
+            </a:p>
+          </p:txBody>
+        </p:sp>
+        <p:sp>
+          <p:nvSpPr>
+            <p:cNvPr id="26" name="Rectangle: Rounded Corners 25">
+              <a:extLst>
+                <a:ext uri="{FF2B5EF4-FFF2-40B4-BE49-F238E27FC236}">
+                  <a16:creationId xmlns:a16="http://schemas.microsoft.com/office/drawing/2014/main" id="{9297927A-E3B0-139D-A2BB-CB3246C24206}"/>
+                </a:ext>
+              </a:extLst>
+            </p:cNvPr>
+            <p:cNvSpPr/>
+            <p:nvPr/>
+          </p:nvSpPr>
+          <p:spPr>
+            <a:xfrm>
+              <a:off x="7533887" y="2445618"/>
+              <a:ext cx="376139" cy="237283"/>
+            </a:xfrm>
+            <a:prstGeom prst="roundRect">
+              <a:avLst/>
+            </a:prstGeom>
+            <a:solidFill>
+              <a:schemeClr val="tx1">
+                <a:lumMod val="85000"/>
+                <a:lumOff val="15000"/>
+              </a:schemeClr>
+            </a:solidFill>
+            <a:ln>
+              <a:solidFill>
+                <a:schemeClr val="tx1">
+                  <a:lumMod val="50000"/>
+                  <a:lumOff val="50000"/>
+                </a:schemeClr>
+              </a:solidFill>
+            </a:ln>
+          </p:spPr>
+          <p:style>
+            <a:lnRef idx="2">
+              <a:schemeClr val="accent1">
+                <a:shade val="15000"/>
+              </a:schemeClr>
+            </a:lnRef>
+            <a:fillRef idx="1">
+              <a:schemeClr val="accent1"/>
+            </a:fillRef>
+            <a:effectRef idx="0">
+              <a:schemeClr val="accent1"/>
+            </a:effectRef>
+            <a:fontRef idx="minor">
+              <a:schemeClr val="lt1"/>
+            </a:fontRef>
+          </p:style>
+          <p:txBody>
+            <a:bodyPr rtlCol="0" anchor="ctr"/>
+            <a:lstStyle/>
+            <a:p>
+              <a:pPr algn="ctr"/>
+              <a:endParaRPr lang="en-US"/>
+            </a:p>
+          </p:txBody>
+        </p:sp>
+      </p:grpSp>
+      <p:sp>
+        <p:nvSpPr>
+          <p:cNvPr id="27" name="TextBox 26">
+            <a:extLst>
+              <a:ext uri="{FF2B5EF4-FFF2-40B4-BE49-F238E27FC236}">
+                <a16:creationId xmlns:a16="http://schemas.microsoft.com/office/drawing/2014/main" id="{382B1DF9-96D3-26A4-4F96-27B8CADB3B91}"/>
+              </a:ext>
+            </a:extLst>
+          </p:cNvPr>
+          <p:cNvSpPr txBox="1"/>
+          <p:nvPr/>
+        </p:nvSpPr>
+        <p:spPr>
+          <a:xfrm>
+            <a:off x="1121133" y="1556069"/>
+            <a:ext cx="4365267" cy="369332"/>
+          </a:xfrm>
+          <a:prstGeom prst="rect">
+            <a:avLst/>
+          </a:prstGeom>
+          <a:noFill/>
+        </p:spPr>
+        <p:txBody>
+          <a:bodyPr wrap="square" rtlCol="0">
+            <a:spAutoFit/>
+          </a:bodyPr>
+          <a:lstStyle/>
+          <a:p>
+            <a:r>
+              <a:rPr lang="en-US" b="1" dirty="0">
+                <a:latin typeface="Courier New" panose="02070309020205020404" pitchFamily="49" charset="0"/>
+                <a:cs typeface="Courier New" panose="02070309020205020404" pitchFamily="49" charset="0"/>
+              </a:rPr>
+              <a:t>Serial.println(“Hello World”)</a:t>
+            </a:r>
+          </a:p>
+        </p:txBody>
+      </p:sp>
+      <p:sp>
+        <p:nvSpPr>
+          <p:cNvPr id="2" name="TextBox 1">
+            <a:extLst>
+              <a:ext uri="{FF2B5EF4-FFF2-40B4-BE49-F238E27FC236}">
+                <a16:creationId xmlns:a16="http://schemas.microsoft.com/office/drawing/2014/main" id="{45CAD95F-B822-D504-5304-99AA48D499CD}"/>
+              </a:ext>
+            </a:extLst>
+          </p:cNvPr>
+          <p:cNvSpPr txBox="1"/>
+          <p:nvPr/>
+        </p:nvSpPr>
+        <p:spPr>
+          <a:xfrm>
+            <a:off x="8421388" y="1708931"/>
+            <a:ext cx="1947111" cy="369332"/>
+          </a:xfrm>
+          <a:prstGeom prst="rect">
+            <a:avLst/>
+          </a:prstGeom>
+          <a:noFill/>
+        </p:spPr>
+        <p:txBody>
+          <a:bodyPr wrap="square" rtlCol="0">
+            <a:spAutoFit/>
+          </a:bodyPr>
+          <a:lstStyle/>
+          <a:p>
+            <a:r>
+              <a:rPr lang="en-US" b="1" dirty="0">
+                <a:latin typeface="Courier New" panose="02070309020205020404" pitchFamily="49" charset="0"/>
+                <a:cs typeface="Courier New" panose="02070309020205020404" pitchFamily="49" charset="0"/>
+              </a:rPr>
+              <a:t>Hello World!</a:t>
+            </a:r>
+          </a:p>
+        </p:txBody>
+      </p:sp>
+      <p:sp>
+        <p:nvSpPr>
+          <p:cNvPr id="3" name="Arrow: Down 2">
+            <a:extLst>
+              <a:ext uri="{FF2B5EF4-FFF2-40B4-BE49-F238E27FC236}">
+                <a16:creationId xmlns:a16="http://schemas.microsoft.com/office/drawing/2014/main" id="{1CCD39C8-48CB-5D31-431D-F70B3DE8C4BA}"/>
+              </a:ext>
+            </a:extLst>
+          </p:cNvPr>
+          <p:cNvSpPr/>
+          <p:nvPr/>
+        </p:nvSpPr>
+        <p:spPr>
+          <a:xfrm rot="16200000">
+            <a:off x="6267536" y="1350210"/>
+            <a:ext cx="369331" cy="781049"/>
+          </a:xfrm>
+          <a:prstGeom prst="downArrow">
+            <a:avLst/>
+          </a:prstGeom>
+          <a:solidFill>
+            <a:schemeClr val="bg1">
+              <a:lumMod val="75000"/>
+            </a:schemeClr>
+          </a:solidFill>
+          <a:ln>
+            <a:solidFill>
+              <a:schemeClr val="tx1">
+                <a:lumMod val="65000"/>
+                <a:lumOff val="35000"/>
+              </a:schemeClr>
+            </a:solidFill>
+          </a:ln>
+        </p:spPr>
+        <p:style>
+          <a:lnRef idx="2">
+            <a:schemeClr val="accent1">
+              <a:shade val="15000"/>
+            </a:schemeClr>
+          </a:lnRef>
+          <a:fillRef idx="1">
+            <a:schemeClr val="accent1"/>
+          </a:fillRef>
+          <a:effectRef idx="0">
+            <a:schemeClr val="accent1"/>
+          </a:effectRef>
+          <a:fontRef idx="minor">
+            <a:schemeClr val="lt1"/>
+          </a:fontRef>
+        </p:style>
+        <p:txBody>
+          <a:bodyPr rtlCol="0" anchor="ctr"/>
+          <a:lstStyle/>
+          <a:p>
+            <a:pPr algn="ctr"/>
+            <a:endParaRPr lang="en-US"/>
+          </a:p>
+        </p:txBody>
+      </p:sp>
+      <p:sp>
+        <p:nvSpPr>
+          <p:cNvPr id="11" name="TextBox 10">
+            <a:extLst>
+              <a:ext uri="{FF2B5EF4-FFF2-40B4-BE49-F238E27FC236}">
+                <a16:creationId xmlns:a16="http://schemas.microsoft.com/office/drawing/2014/main" id="{AB62BD31-05A8-E148-98D9-264E8539C940}"/>
+              </a:ext>
+            </a:extLst>
+          </p:cNvPr>
+          <p:cNvSpPr txBox="1"/>
+          <p:nvPr/>
+        </p:nvSpPr>
+        <p:spPr>
+          <a:xfrm>
+            <a:off x="4680757" y="3935382"/>
+            <a:ext cx="2748239" cy="461665"/>
+          </a:xfrm>
+          <a:prstGeom prst="rect">
+            <a:avLst/>
+          </a:prstGeom>
+          <a:noFill/>
+        </p:spPr>
+        <p:txBody>
+          <a:bodyPr wrap="square" rtlCol="0">
+            <a:spAutoFit/>
+          </a:bodyPr>
+          <a:lstStyle/>
+          <a:p>
+            <a:r>
+              <a:rPr lang="en-US" sz="1200" dirty="0">
+                <a:latin typeface="Segoe Condensed" panose="020B0606040200020203" pitchFamily="34" charset="0"/>
+              </a:rPr>
+              <a:t>“Hello world” communicated via 1s &amp; 0s (5V &amp; GND) using the </a:t>
+            </a:r>
+            <a:r>
+              <a:rPr lang="en-US" sz="1200" b="1" dirty="0">
+                <a:latin typeface="Segoe Condensed" panose="020B0606040200020203" pitchFamily="34" charset="0"/>
+              </a:rPr>
+              <a:t>asynchronous serial protocol</a:t>
+            </a:r>
+          </a:p>
+        </p:txBody>
+      </p:sp>
+    </p:spTree>
+    <p:extLst>
+      <p:ext uri="{BB962C8B-B14F-4D97-AF65-F5344CB8AC3E}">
+        <p14:creationId xmlns:p14="http://schemas.microsoft.com/office/powerpoint/2010/main" val="3587805137"/>
+      </p:ext>
+    </p:extLst>
+  </p:cSld>
+  <p:clrMapOvr>
+    <a:masterClrMapping/>
+  </p:clrMapOvr>
+</p:sld>
+</file>
+
 <file path=ppt/theme/theme1.xml><?xml version="1.0" encoding="utf-8"?>
 <a:theme xmlns:a="http://schemas.openxmlformats.org/drawingml/2006/main" name="Office Theme">
   <a:themeElements>
@@ -3984,4 +6932,319 @@
     </a:ext>
   </a:extLst>
 </a:theme>
+</file>
+
+<file path=ppt/theme/theme2.xml><?xml version="1.0" encoding="utf-8"?>
+<a:theme xmlns:a="http://schemas.openxmlformats.org/drawingml/2006/main" name="Office Theme">
+  <a:themeElements>
+    <a:clrScheme name="Office">
+      <a:dk1>
+        <a:sysClr val="windowText" lastClr="000000"/>
+      </a:dk1>
+      <a:lt1>
+        <a:sysClr val="window" lastClr="FFFFFF"/>
+      </a:lt1>
+      <a:dk2>
+        <a:srgbClr val="0E2841"/>
+      </a:dk2>
+      <a:lt2>
+        <a:srgbClr val="E8E8E8"/>
+      </a:lt2>
+      <a:accent1>
+        <a:srgbClr val="156082"/>
+      </a:accent1>
+      <a:accent2>
+        <a:srgbClr val="E97132"/>
+      </a:accent2>
+      <a:accent3>
+        <a:srgbClr val="196B24"/>
+      </a:accent3>
+      <a:accent4>
+        <a:srgbClr val="0F9ED5"/>
+      </a:accent4>
+      <a:accent5>
+        <a:srgbClr val="A02B93"/>
+      </a:accent5>
+      <a:accent6>
+        <a:srgbClr val="4EA72E"/>
+      </a:accent6>
+      <a:hlink>
+        <a:srgbClr val="467886"/>
+      </a:hlink>
+      <a:folHlink>
+        <a:srgbClr val="96607D"/>
+      </a:folHlink>
+    </a:clrScheme>
+    <a:fontScheme name="Office">
+      <a:majorFont>
+        <a:latin typeface="Aptos Display" panose="02110004020202020204"/>
+        <a:ea typeface=""/>
+        <a:cs typeface=""/>
+        <a:font script="Jpan" typeface="游ゴシック Light"/>
+        <a:font script="Hang" typeface="맑은 고딕"/>
+        <a:font script="Hans" typeface="等线 Light"/>
+        <a:font script="Hant" typeface="新細明體"/>
+        <a:font script="Arab" typeface="Times New Roman"/>
+        <a:font script="Hebr" typeface="Times New Roman"/>
+        <a:font script="Thai" typeface="Angsana New"/>
+        <a:font script="Ethi" typeface="Nyala"/>
+        <a:font script="Beng" typeface="Vrinda"/>
+        <a:font script="Gujr" typeface="Shruti"/>
+        <a:font script="Khmr" typeface="MoolBoran"/>
+        <a:font script="Knda" typeface="Tunga"/>
+        <a:font script="Guru" typeface="Raavi"/>
+        <a:font script="Cans" typeface="Euphemia"/>
+        <a:font script="Cher" typeface="Plantagenet Cherokee"/>
+        <a:font script="Yiii" typeface="Microsoft Yi Baiti"/>
+        <a:font script="Tibt" typeface="Microsoft Himalaya"/>
+        <a:font script="Thaa" typeface="MV Boli"/>
+        <a:font script="Deva" typeface="Mangal"/>
+        <a:font script="Telu" typeface="Gautami"/>
+        <a:font script="Taml" typeface="Latha"/>
+        <a:font script="Syrc" typeface="Estrangelo Edessa"/>
+        <a:font script="Orya" typeface="Kalinga"/>
+        <a:font script="Mlym" typeface="Kartika"/>
+        <a:font script="Laoo" typeface="DokChampa"/>
+        <a:font script="Sinh" typeface="Iskoola Pota"/>
+        <a:font script="Mong" typeface="Mongolian Baiti"/>
+        <a:font script="Viet" typeface="Times New Roman"/>
+        <a:font script="Uigh" typeface="Microsoft Uighur"/>
+        <a:font script="Geor" typeface="Sylfaen"/>
+        <a:font script="Armn" typeface="Arial"/>
+        <a:font script="Bugi" typeface="Leelawadee UI"/>
+        <a:font script="Bopo" typeface="Microsoft JhengHei"/>
+        <a:font script="Java" typeface="Javanese Text"/>
+        <a:font script="Lisu" typeface="Segoe UI"/>
+        <a:font script="Mymr" typeface="Myanmar Text"/>
+        <a:font script="Nkoo" typeface="Ebrima"/>
+        <a:font script="Olck" typeface="Nirmala UI"/>
+        <a:font script="Osma" typeface="Ebrima"/>
+        <a:font script="Phag" typeface="Phagspa"/>
+        <a:font script="Syrn" typeface="Estrangelo Edessa"/>
+        <a:font script="Syrj" typeface="Estrangelo Edessa"/>
+        <a:font script="Syre" typeface="Estrangelo Edessa"/>
+        <a:font script="Sora" typeface="Nirmala UI"/>
+        <a:font script="Tale" typeface="Microsoft Tai Le"/>
+        <a:font script="Talu" typeface="Microsoft New Tai Lue"/>
+        <a:font script="Tfng" typeface="Ebrima"/>
+      </a:majorFont>
+      <a:minorFont>
+        <a:latin typeface="Aptos" panose="02110004020202020204"/>
+        <a:ea typeface=""/>
+        <a:cs typeface=""/>
+        <a:font script="Jpan" typeface="游ゴシック"/>
+        <a:font script="Hang" typeface="맑은 고딕"/>
+        <a:font script="Hans" typeface="等线"/>
+        <a:font script="Hant" typeface="新細明體"/>
+        <a:font script="Arab" typeface="Arial"/>
+        <a:font script="Hebr" typeface="Arial"/>
+        <a:font script="Thai" typeface="Cordia New"/>
+        <a:font script="Ethi" typeface="Nyala"/>
+        <a:font script="Beng" typeface="Vrinda"/>
+        <a:font script="Gujr" typeface="Shruti"/>
+        <a:font script="Khmr" typeface="DaunPenh"/>
+        <a:font script="Knda" typeface="Tunga"/>
+        <a:font script="Guru" typeface="Raavi"/>
+        <a:font script="Cans" typeface="Euphemia"/>
+        <a:font script="Cher" typeface="Plantagenet Cherokee"/>
+        <a:font script="Yiii" typeface="Microsoft Yi Baiti"/>
+        <a:font script="Tibt" typeface="Microsoft Himalaya"/>
+        <a:font script="Thaa" typeface="MV Boli"/>
+        <a:font script="Deva" typeface="Mangal"/>
+        <a:font script="Telu" typeface="Gautami"/>
+        <a:font script="Taml" typeface="Latha"/>
+        <a:font script="Syrc" typeface="Estrangelo Edessa"/>
+        <a:font script="Orya" typeface="Kalinga"/>
+        <a:font script="Mlym" typeface="Kartika"/>
+        <a:font script="Laoo" typeface="DokChampa"/>
+        <a:font script="Sinh" typeface="Iskoola Pota"/>
+        <a:font script="Mong" typeface="Mongolian Baiti"/>
+        <a:font script="Viet" typeface="Arial"/>
+        <a:font script="Uigh" typeface="Microsoft Uighur"/>
+        <a:font script="Geor" typeface="Sylfaen"/>
+        <a:font script="Armn" typeface="Arial"/>
+        <a:font script="Bugi" typeface="Leelawadee UI"/>
+        <a:font script="Bopo" typeface="Microsoft JhengHei"/>
+        <a:font script="Java" typeface="Javanese Text"/>
+        <a:font script="Lisu" typeface="Segoe UI"/>
+        <a:font script="Mymr" typeface="Myanmar Text"/>
+        <a:font script="Nkoo" typeface="Ebrima"/>
+        <a:font script="Olck" typeface="Nirmala UI"/>
+        <a:font script="Osma" typeface="Ebrima"/>
+        <a:font script="Phag" typeface="Phagspa"/>
+        <a:font script="Syrn" typeface="Estrangelo Edessa"/>
+        <a:font script="Syrj" typeface="Estrangelo Edessa"/>
+        <a:font script="Syre" typeface="Estrangelo Edessa"/>
+        <a:font script="Sora" typeface="Nirmala UI"/>
+        <a:font script="Tale" typeface="Microsoft Tai Le"/>
+        <a:font script="Talu" typeface="Microsoft New Tai Lue"/>
+        <a:font script="Tfng" typeface="Ebrima"/>
+      </a:minorFont>
+    </a:fontScheme>
+    <a:fmtScheme name="Office">
+      <a:fillStyleLst>
+        <a:solidFill>
+          <a:schemeClr val="phClr"/>
+        </a:solidFill>
+        <a:gradFill rotWithShape="1">
+          <a:gsLst>
+            <a:gs pos="0">
+              <a:schemeClr val="phClr">
+                <a:lumMod val="110000"/>
+                <a:satMod val="105000"/>
+                <a:tint val="67000"/>
+              </a:schemeClr>
+            </a:gs>
+            <a:gs pos="50000">
+              <a:schemeClr val="phClr">
+                <a:lumMod val="105000"/>
+                <a:satMod val="103000"/>
+                <a:tint val="73000"/>
+              </a:schemeClr>
+            </a:gs>
+            <a:gs pos="100000">
+              <a:schemeClr val="phClr">
+                <a:lumMod val="105000"/>
+                <a:satMod val="109000"/>
+                <a:tint val="81000"/>
+              </a:schemeClr>
+            </a:gs>
+          </a:gsLst>
+          <a:lin ang="5400000" scaled="0"/>
+        </a:gradFill>
+        <a:gradFill rotWithShape="1">
+          <a:gsLst>
+            <a:gs pos="0">
+              <a:schemeClr val="phClr">
+                <a:satMod val="103000"/>
+                <a:lumMod val="102000"/>
+                <a:tint val="94000"/>
+              </a:schemeClr>
+            </a:gs>
+            <a:gs pos="50000">
+              <a:schemeClr val="phClr">
+                <a:satMod val="110000"/>
+                <a:lumMod val="100000"/>
+                <a:shade val="100000"/>
+              </a:schemeClr>
+            </a:gs>
+            <a:gs pos="100000">
+              <a:schemeClr val="phClr">
+                <a:lumMod val="99000"/>
+                <a:satMod val="120000"/>
+                <a:shade val="78000"/>
+              </a:schemeClr>
+            </a:gs>
+          </a:gsLst>
+          <a:lin ang="5400000" scaled="0"/>
+        </a:gradFill>
+      </a:fillStyleLst>
+      <a:lnStyleLst>
+        <a:ln w="12700" cap="flat" cmpd="sng" algn="ctr">
+          <a:solidFill>
+            <a:schemeClr val="phClr"/>
+          </a:solidFill>
+          <a:prstDash val="solid"/>
+          <a:miter lim="800000"/>
+        </a:ln>
+        <a:ln w="19050" cap="flat" cmpd="sng" algn="ctr">
+          <a:solidFill>
+            <a:schemeClr val="phClr"/>
+          </a:solidFill>
+          <a:prstDash val="solid"/>
+          <a:miter lim="800000"/>
+        </a:ln>
+        <a:ln w="25400" cap="flat" cmpd="sng" algn="ctr">
+          <a:solidFill>
+            <a:schemeClr val="phClr"/>
+          </a:solidFill>
+          <a:prstDash val="solid"/>
+          <a:miter lim="800000"/>
+        </a:ln>
+      </a:lnStyleLst>
+      <a:effectStyleLst>
+        <a:effectStyle>
+          <a:effectLst/>
+        </a:effectStyle>
+        <a:effectStyle>
+          <a:effectLst/>
+        </a:effectStyle>
+        <a:effectStyle>
+          <a:effectLst>
+            <a:outerShdw blurRad="57150" dist="19050" dir="5400000" algn="ctr" rotWithShape="0">
+              <a:srgbClr val="000000">
+                <a:alpha val="63000"/>
+              </a:srgbClr>
+            </a:outerShdw>
+          </a:effectLst>
+        </a:effectStyle>
+      </a:effectStyleLst>
+      <a:bgFillStyleLst>
+        <a:solidFill>
+          <a:schemeClr val="phClr"/>
+        </a:solidFill>
+        <a:solidFill>
+          <a:schemeClr val="phClr">
+            <a:tint val="95000"/>
+            <a:satMod val="170000"/>
+          </a:schemeClr>
+        </a:solidFill>
+        <a:gradFill rotWithShape="1">
+          <a:gsLst>
+            <a:gs pos="0">
+              <a:schemeClr val="phClr">
+                <a:tint val="93000"/>
+                <a:satMod val="150000"/>
+                <a:shade val="98000"/>
+                <a:lumMod val="102000"/>
+              </a:schemeClr>
+            </a:gs>
+            <a:gs pos="50000">
+              <a:schemeClr val="phClr">
+                <a:tint val="98000"/>
+                <a:satMod val="130000"/>
+                <a:shade val="90000"/>
+                <a:lumMod val="103000"/>
+              </a:schemeClr>
+            </a:gs>
+            <a:gs pos="100000">
+              <a:schemeClr val="phClr">
+                <a:shade val="63000"/>
+                <a:satMod val="120000"/>
+              </a:schemeClr>
+            </a:gs>
+          </a:gsLst>
+          <a:lin ang="5400000" scaled="0"/>
+        </a:gradFill>
+      </a:bgFillStyleLst>
+    </a:fmtScheme>
+  </a:themeElements>
+  <a:objectDefaults>
+    <a:lnDef>
+      <a:spPr/>
+      <a:bodyPr/>
+      <a:lstStyle/>
+      <a:style>
+        <a:lnRef idx="2">
+          <a:schemeClr val="accent1"/>
+        </a:lnRef>
+        <a:fillRef idx="0">
+          <a:schemeClr val="accent1"/>
+        </a:fillRef>
+        <a:effectRef idx="1">
+          <a:schemeClr val="accent1"/>
+        </a:effectRef>
+        <a:fontRef idx="minor">
+          <a:schemeClr val="tx1"/>
+        </a:fontRef>
+      </a:style>
+    </a:lnDef>
+  </a:objectDefaults>
+  <a:extraClrSchemeLst/>
+  <a:extLst>
+    <a:ext uri="{05A4C25C-085E-4340-85A3-A5531E510DB2}">
+      <thm15:themeFamily xmlns:thm15="http://schemas.microsoft.com/office/thememl/2012/main" name="Office Theme" id="{2E142A2C-CD16-42D6-873A-C26D2A0506FA}" vid="{1BDDFF52-6CD6-40A5-AB3C-68EB2F1E4D0A}"/>
+    </a:ext>
+  </a:extLst>
+</a:theme>
 </file>